--- a/0522/4번_학생용.pptx
+++ b/0522/4번_학생용.pptx
@@ -5,10 +5,9 @@
     <p:sldMasterId id="2147483648" r:id="rId1"/>
   </p:sldMasterIdLst>
   <p:sldIdLst>
-    <p:sldId id="257" r:id="rId2"/>
-    <p:sldId id="256" r:id="rId3"/>
-    <p:sldId id="258" r:id="rId4"/>
-    <p:sldId id="721" r:id="rId5"/>
+    <p:sldId id="258" r:id="rId2"/>
+    <p:sldId id="257" r:id="rId3"/>
+    <p:sldId id="721" r:id="rId4"/>
   </p:sldIdLst>
   <p:sldSz cx="12192000" cy="6858000"/>
   <p:notesSz cx="6858000" cy="9144000"/>
@@ -123,54 +122,30 @@
         <inkml:traceFormat>
           <inkml:channel name="X" type="integer" min="-2.14748E9" max="2.14748E9" units="cm"/>
           <inkml:channel name="Y" type="integer" min="-2.14748E9" max="2.14748E9" units="cm"/>
-          <inkml:channel name="F" type="integer" max="32767" units="dev"/>
-        </inkml:traceFormat>
-        <inkml:channelProperties>
-          <inkml:channelProperty channel="X" name="resolution" value="1000" units="1/cm"/>
-          <inkml:channelProperty channel="Y" name="resolution" value="1000" units="1/cm"/>
-          <inkml:channelProperty channel="F" name="resolution" value="0" units="1/dev"/>
-        </inkml:channelProperties>
-      </inkml:inkSource>
-      <inkml:timestamp xml:id="ts0" timeString="2022-01-29T10:22:13.407"/>
-    </inkml:context>
-    <inkml:brush xml:id="br0">
-      <inkml:brushProperty name="width" value="0.05" units="cm"/>
-      <inkml:brushProperty name="height" value="0.05" units="cm"/>
-      <inkml:brushProperty name="color" value="#E71224"/>
-    </inkml:brush>
-  </inkml:definitions>
-  <inkml:trace contextRef="#ctx0" brushRef="#br0">19 131 5990,'0'0'5717,"-3"-2"-5018,1 0-506,1 1 0,-1-1-1,1 0 1,0 1-1,0-1 1,0 0 0,0 0-1,0 0 1,0 0-1,0 0 1,1 0 0,-1 0-1,1 0 1,-1 0-1,1 0 1,0 0 0,0 0-1,0-1 1,0 1-1,0 0 1,0 0 0,1 0-1,-1 0 1,1 0-1,-1 0 1,1 0 0,0 0-1,0 0 1,0 0 0,0 0-1,0 0 1,0 1-1,0-1 1,1 0 0,-1 1-1,1-1 1,1-1-1,1 0 326,-4 2-460,0 0 0,1-1 0,-1 1 1,0 0-1,1 0 0,-1-1 0,1 1 0,0 0 0,-1 0 0,1 0 0,0 0 0,0 0 0,0 0 1,-1 0-1,1 0 0,0 0 0,0 1 0,1-1 0,-1 0 0,0 0 0,0 1 0,0-1 0,0 1 1,0-1-1,1 1 0,-1 0 0,0-1 0,0 1 0,1 0 0,1 0 0,48-3 1124,-40 3-1090,28 1 497,0 1 0,74 15 0,-66-6-295,0-2-1,0-3 1,56 2 0,13-5 88,104-5 239,106-16 143,-21 15-589,-161 5-30,-51-1-46,107 15-1,79 1-3,-90-10-62,131-8 198,-137-3-83,103-2 39,299 20-27,-510-13-96,-15 0 64,83-8 1,46-5 36,-168 8-136,44-1 134,-34 5-141,42 0-919,-72 0 833,0 0 0,0 0 0,0 0 0,0 0 0,0 1-1,0-1 1,0 0 0,-1 0 0,1 1 0,0-1 0,0 1 0,0-1 0,0 1 0,-1-1 0,1 1-1,0-1 1,0 1 0,-1 0 0,1-1 0,0 1 0,-1 0 0,1 0 0,0 1 0,-1-1-135,1-1-1,-1 1 1,1 0 0,-1 0-1,1-1 1,0 1 0,-1 0 0,1-1-1,0 1 1,0 0 0,-1-1 0,1 1-1,0-1 1,0 1 0,0-1-1,0 0 1,0 1 0,-1-1 0,1 0-1,0 0 1,0 0 0,0 1 0,2-1-1,7-27-11507,-7 16 8275,10-11-1250,-10-19 1623</inkml:trace>
-</inkml:ink>
-</file>
-
-<file path=ppt/ink/ink10.xml><?xml version="1.0" encoding="utf-8"?>
-<inkml:ink xmlns:inkml="http://www.w3.org/2003/InkML">
-  <inkml:definitions>
-    <inkml:context xml:id="ctx0">
-      <inkml:inkSource xml:id="inkSrc0">
-        <inkml:traceFormat>
-          <inkml:channel name="X" type="integer" min="-2.14748E9" max="2.14748E9" units="cm"/>
-          <inkml:channel name="Y" type="integer" min="-2.14748E9" max="2.14748E9" units="cm"/>
         </inkml:traceFormat>
         <inkml:channelProperties>
           <inkml:channelProperty channel="X" name="resolution" value="1000" units="1/cm"/>
           <inkml:channelProperty channel="Y" name="resolution" value="1000" units="1/cm"/>
         </inkml:channelProperties>
       </inkml:inkSource>
-      <inkml:timestamp xml:id="ts0" timeString="2022-11-08T05:17:14.674"/>
+      <inkml:timestamp xml:id="ts0" timeString="2023-05-16T06:54:54.495"/>
     </inkml:context>
     <inkml:brush xml:id="br0">
       <inkml:brushProperty name="width" value="0.05" units="cm"/>
       <inkml:brushProperty name="height" value="0.05" units="cm"/>
-      <inkml:brushProperty name="color" value="#FF0066"/>
+      <inkml:brushProperty name="color" value="#E71224"/>
       <inkml:brushProperty name="ignorePressure" value="1"/>
     </inkml:brush>
   </inkml:definitions>
-  <inkml:trace contextRef="#ctx0" brushRef="#br0">257 30,'-3'5,"0"0,0-1,0 1,0-1,-1 1,1-1,-1-1,0 1,0 0,-1-1,1 0,-1 0,0 0,0-1,1 1,-2-1,1 0,0-1,0 1,-1-1,1 0,0 0,-1-1,1 0,-1 0,1 0,-1-1,1 1,-1-1,1 0,0-1,-4-1,-10 3,-46-16,64 16,0-1,0 1,0-1,1 1,-1-1,0 0,0 1,0-1,0 0,1 0,-1 1,0-1,1 0,-1 0,0 0,1 0,0 0,-1 0,1 0,-1 0,1 0,0 0,0 0,0 0,-1 0,1-1,0 1,0 0,0 0,1 0,-1 0,0 0,0 0,1 0,-1 0,0 0,1 0,-1 0,1 0,-1 0,1 0,0 0,-1 0,1 1,0-1,0 0,0 0,-1 1,1-1,0 1,0-1,0 0,0 1,0 0,0-1,0 1,0 0,1-1,1-1,-1-1,1 0,0 1,1 0,-1 0,0 0,1 0,-1 0,1 1,-1-1,1 1,0 0,0 0,-1 1,1-1,0 1,0 0,0 0,0 0,0 0,0 1,-1-1,1 1,0 0,0 0,-1 1,1-1,-1 1,1 0,-1 0,0 0,1 0,-1 0,0 1,0-1,-1 1,1 0,-1 0,1 0,-1 0,0 0,0 1,0-1,1 4,-1 1,0 0,-1 1,0-1,0 1,-1-1,0 1,0-1,-1 0,0 1,-1-1,0 1,0-1,-1 0,0 0,0 0,-1-1,0 1,0-1,-1 0,0 0,0 0,0-1,-3 2,-7 4</inkml:trace>
+  <inkml:trace contextRef="#ctx0" brushRef="#br0">29 0,'5'5,"2"7,0 6,3 0,0 2,4-2,-1 0,-3-2</inkml:trace>
+  <inkml:trace contextRef="#ctx0" brushRef="#br0" timeOffset="2520.52">0 207,'40'-1,"-28"-1,0 1,-1 1,1 0,0 1,0 0,-1 1,1 0,-1 0,1 1,-1 1,4 2,-14-5,0 1,0 0,-1-1,1 1,0 0,-1-1,1 1,-1 0,1 0,-1 0,0-1,0 1,0 0,0 0,0 0,0-1,-1 1,1 0,-1 0,1 0,-1-1,1 1,-1 0,0-1,0 1,0-1,0 1,0-1,0 1,0-1,-1 1,1-1,0 0,-1 0,1 0,-1 0,0 0,1 0,-1 0,0-1,-1 2,-10 11,-37 69,50-81,-1 1,0 0,1 0,0-1,-1 1,1 0,0 0,0 0,0 0,0-1,0 1,0 0,0 0,1 0,-1 0,1-1,-1 1,1 0,0-1,-1 1,1 0,0-1,0 1,1-1,-1 1,0-1,0 0,1 1,-1-1,0 0,1 0,-1 0,1 0,0 0,-1 0,1 0,0-1,0 1,-1-1,1 1,0-1,0 0,0 1,-1-1,1 0,0 0,0 0,1-1,10 1,-12 0,0-1,0 0,1 1,-1-1,0 1,0 0,1-1,-1 1,0 0,1 0,-1 0,0 0,1 0,-1 0,0 0,1 0,-1 0,0 1,1-1,-1 0,0 1,0 0,1-1,-1 1,0-1,0 1,0 0,0 0,0 0,0 0,0 0,0 0,0 0,0 0,-1 0,1 0,0 0,-1 1,1-1,-1 0,1 0,-1 1,0-1,1 0,-1 1,0-1,0 0,0 1,0 0,-5 3,0 0,0 0,0-1,-1 0,0 0,0 0,0 0,0-1,0 0,-1-1,1 1,-1-1,0-1,1 1,-3-1,-8 4,17-4,1-1,-1 1,1-1,-1 0,0 1,0-1,1 1,-1-1,0 1,0-1,1 1,-1-1,0 1,0-1,0 1,0-1,0 1,0 0,0-1,0 1,0-1,0 1,0-1,0 1,0-1,0 1,-1-1,1 1,0-1,0 1,-1-1,1 1,0-1,0 1,-1-1,1 1,-1-1,1 0,0 1,-1-1,1 0,-1 1,1-1,-1 0,1 0,-1 1,1-1,-1 0,1 0,-1 0,1 0,-1 0,1 0,-1 0,0 0,1 0,-1 0,1 0,-1 0,47 10,-41-9,0 0,1 0,-1-1,1 0,-1 0,1 0,-1 0,1-1,-1 0,1 0,-1 0,0-1,0 0,1 0,-1 0,0-1,-1 1,1-1,0 0,-1-1,0 1,0-1,0 0,0 0,0 0,-1 0,0-1,0 0,0 1,-1-1,1 0,-1 0,1-5,18-200,-22 282,3 0,3-1,3 0,3 0,11 32,-15-93,-3-31,-2-32,-36-166,34 216,0 0,0 0,1 0,-1 0,1 0,0 0,0 0,0 0,0 0,0 0,0 1,1-1,0 0,-1 1,1-1,0 1,0 0,0-1,1 1,-1 0,0 0,1 1,-1-1,1 0,0 1,0 0,-1-1,1 1,0 0,0 1,0-1,0 0,0 1,0 0,1-1,-1 1,0 0,0 1,0-1,0 1,1 0,23-6,2 0</inkml:trace>
+  <inkml:trace contextRef="#ctx0" brushRef="#br0" timeOffset="3078.06">502 148,'5'0,"2"5,-1 6,-1 13,-1 5,3 5,1 0,-2-10,0-14,-3-20,-1-7</inkml:trace>
+  <inkml:trace contextRef="#ctx0" brushRef="#br0" timeOffset="3856">560 118,'24'-1,"-20"0,1 0,-1 0,0 0,0 1,1-1,-1 1,0 0,0 0,1 1,-1-1,0 1,0 0,1 0,-1 0,0 1,0-1,0 1,-1 0,1 0,0 1,-1-1,1 1,-1 0,0-1,0 1,0 1,0-1,0 0,-1 1,0 0,0-1,0 1,0 0,1 2,-1-1,-1 1,1 0,-1 0,0 0,0 0,-1 1,0-1,0 0,0 0,-1 0,0 0,0 0,0 0,-1 0,0 0,0 0,0-1,-1 1,0-1,0 1,0-1,-1 0,0 0,0-1,0 1,-1-1,1 0,-1 0,0 0,-1 0,-84 28,74-35</inkml:trace>
+  <inkml:trace contextRef="#ctx0" brushRef="#br0" timeOffset="6119.91">650 148,'255'0,"-341"39,27 10,58-48,0-1,0 1,0 0,0 0,0 0,0 0,1 0,-1 0,0 0,1 0,-1 0,0 0,1 0,-1 0,1 1,0-1,-1 0,1 0,0 1,0-1,0 0,0 0,0 1,0-1,0 0,0 0,1 0,-1 1,0-1,1 0,-1 0,1 0,-1 0,1 1,0-1,-1 0,1 0,0 0,0 0,0-1,-1 1,1 0,0 0,0 0,0-1,1 1,-1 0,0-1,0 1,0-1,0 0,0 1,1-1,-1 0,0 0,0 1,1-1,4 3,0-1,0 1,0-1,1 0,-1 0,1-1,-1 0,1 0,-1-1,1 1,0-2,-1 1,1-1,-1 1,1-2,-1 1,1-1,-1 0,0 0,0-1,0 0,0 0,0 0,-1-1,1 0,-1 0,0 0,0-1,0 1,-1-1,0-1,0 1,3-5,-2-27,-7 59,0 50,4-56,0-1,-1 1,-1 0,-1 0,0 0,-1 0,-1 0,0-1,-1 1,0-1,-2 0,0 0,0-1,-2 0,1 0,-2 0,0-1,0-1,-2 1,1-2,-3 2,9-9,-1 0,1 0,0 1,0-1,1 1,-1 0,1 0,0 0,0 1,1-1,-1 1,1 0,1-1,-1 1,1 0,0 0,0 0,1 0,-1 0,1 0,1 0,-1 0,1 0,0 0,0 0,1 0,0-1,0 1,0 0,1-1,0 0,0 1,0-1,1 0,3 3,7 3,1-2,0 0,1-1,0-1,0 0,0-1,1-1,0 0,0-1,1-1,-1-1,1 0,-1-1,1-1,-1-1,12-2,27-33,-47 18</inkml:trace>
 </inkml:ink>
 </file>
 
-<file path=ppt/ink/ink2.xml><?xml version="1.0" encoding="utf-8"?>
+<file path=ppt/ink/ink10.xml><?xml version="1.0" encoding="utf-8"?>
 <inkml:ink xmlns:inkml="http://www.w3.org/2003/InkML">
   <inkml:definitions>
     <inkml:context xml:id="ctx0">
@@ -186,7 +161,7 @@
           <inkml:channelProperty channel="F" name="resolution" value="0" units="1/dev"/>
         </inkml:channelProperties>
       </inkml:inkSource>
-      <inkml:timestamp xml:id="ts0" timeString="2022-01-29T10:24:06.497"/>
+      <inkml:timestamp xml:id="ts0" timeString="2022-01-30T01:18:45.578"/>
     </inkml:context>
     <inkml:brush xml:id="br0">
       <inkml:brushProperty name="width" value="0.05" units="cm"/>
@@ -194,11 +169,11 @@
       <inkml:brushProperty name="color" value="#E71224"/>
     </inkml:brush>
   </inkml:definitions>
-  <inkml:trace contextRef="#ctx0" brushRef="#br0">270 9 3940,'-18'-8'2625,"18"8"-2573,-1 0 1,1 0 0,0 0 0,0 0 0,0 1 0,0-1 0,-1 0 0,1 0 0,0 0 0,0 0 0,0 1 0,0-1 0,0 0 0,0 0 0,0 0 0,0 1-1,0-1 1,-1 0 0,1 0 0,0 0 0,0 1 0,0-1 0,0 0 0,0 0 0,0 0 0,0 1 0,0-1 0,1 0 0,-1 0 0,0 1 0,0-1 0,0 0-1,0 0 1,0 0 0,0 0 0,0 1 0,0-1 0,0 0 0,1 0 0,-1 0 0,0 1 0,0-1 0,0 0 0,0 0 0,1 0 0,-1 0 0,0 0 0,0 0-1,0 0 1,0 1 0,1-1 0,-1 0 0,0 0 0,0 0 0,1 0 0,-45 5 5953,36 0-5734,1 1-1,0 0 1,1 0 0,-1 1 0,1-1 0,0 2 0,1-1 0,-9 15-1,3-5-198,-11 13 34,2 0 0,1 2-1,1 0 1,-23 60 0,38-82-215,0 0 1,1 0 0,0 0-1,1 1 1,0-1 0,0 0-1,1 1 1,1-1-1,1 14 1,0-16-307,0-1 0,1 1 0,-1-1 0,1 0 0,1 0 0,-1 0 0,1 0 0,1 0 0,-1-1 0,1 0 0,0 0 0,0 0 0,12 10 0,-5-8-1085,-1 0 1,1 0-1,1-1 1,-1-1-1,1 0 0,17 5 1,-29-10 1439,0-1 1,0 0-1,0 0 1,0 0-1,0 0 1,0 0 0,0 0-1,0 0 1,0-1-1,0 1 1,0 0-1,0-1 1,0 1-1,0 0 1,0-1-1,0 1 1,0-1-1,0 0 1,0 1-1,1-2 1</inkml:trace>
+  <inkml:trace contextRef="#ctx0" brushRef="#br0">187 19 8808,'2'13'5453,"-10"-19"-1743,5 3-4208,0 1 2734,-38-18 594,32 25-2760,1 1 0,0 0 0,0 1 0,0 0 0,1 0 0,0 0 0,1 1 0,0 0 1,0 0-1,0 1 0,1 0 0,1 0 0,-1 0 0,1 0 0,1 1 0,0-1 0,-4 20 0,-1 15-189,1 0 0,0 73 0,6-112 133,1 23-40,0-1 1,2 1-1,0-1 1,2 0-1,12 42 1,-14-60-57,1 0 0,-1-1 0,2 1 0,-1-1 0,2 0 0,-1 0 0,1 0 0,0-1 0,0 1 0,1-1 0,0-1 1,0 1-1,1-1 0,0 0 0,0 0 0,0-1 0,1 0 0,-1 0 0,1-1 0,12 5 0,-11-6-1067,0-2 0,-1 1 0,1-1 0,0 0 0,0-1 0,0 0-1,0-1 1,-1 1 0,1-2 0,0 1 0,13-5 0,8-3-3036,-28 7 3827,1 0 0,-1-1 0,0 1 0,0-1 0,0 1 1,0-1-1,-1 0 0,1 0 0,1-3 0,-3 5 328</inkml:trace>
 </inkml:ink>
 </file>
 
-<file path=ppt/ink/ink3.xml><?xml version="1.0" encoding="utf-8"?>
+<file path=ppt/ink/ink11.xml><?xml version="1.0" encoding="utf-8"?>
 <inkml:ink xmlns:inkml="http://www.w3.org/2003/InkML">
   <inkml:definitions>
     <inkml:context xml:id="ctx0">
@@ -214,7 +189,7 @@
           <inkml:channelProperty channel="F" name="resolution" value="0" units="1/dev"/>
         </inkml:channelProperties>
       </inkml:inkSource>
-      <inkml:timestamp xml:id="ts0" timeString="2022-01-29T10:30:07.067"/>
+      <inkml:timestamp xml:id="ts0" timeString="2022-01-30T01:19:14.488"/>
     </inkml:context>
     <inkml:brush xml:id="br0">
       <inkml:brushProperty name="width" value="0.05" units="cm"/>
@@ -222,11 +197,11 @@
       <inkml:brushProperty name="color" value="#E71224"/>
     </inkml:brush>
   </inkml:definitions>
-  <inkml:trace contextRef="#ctx0" brushRef="#br0">36 155 3716,'0'0'5365,"-22"0"-1100,9-1-2319,24 0 3453,19-3-260,-12 1-6402,12-7 1720,1 2-1,0 2 1,51-5-1,-54 9-208,1-1-1,-1-1 1,32-10 0,13-2 202,6 0-149,-44 8-248,0 1 0,0 2 0,36-1 0,142-5 136,-146 4-166,1 3 1,0 3-1,91 11 1,11 24 52,-105-19-80,0-3 0,127 7 0,-18-5 164,-162-14-146,4 1 48,0-1 0,0-1 0,31-5 0,12-2 56,-20 5-82,33-5 31,114 0 0,22 2 66,144-6 310,-202 5-191,-89 3-208,-1 2 0,73 8 1,82 6 115,-155-8-24,92-5 0,-53-1-24,226-18 342,-157 14-331,-7-8 36,2 0-30,113 8 37,59 0-204,309 6 353,-370 6-16,-251-6-262,0 1 1,0 1-1,38 8 1,-54-9-128,-1 0 0,0 1 0,1 0 1,-1 0-1,0 0 0,11 6 0,-9-3-301,-5-3-543,-2-2 802,-1 1 0,1-1 1,-1 1-1,0 0 1,1-1-1,-1 1 0,1 0 1,-1-1-1,0 1 0,0 0 1,1-1-1,-1 1 1,0 0-1,0-1 0,0 1 1,0 0-1,0 0 0,0-1 1,0 1-1,0 0 1,0 0-1,0 0 0,0 3-897,-50-10-16688,38 5 15804,-10-5-2640,-10-15 2081</inkml:trace>
+  <inkml:trace contextRef="#ctx0" brushRef="#br0">0 74 2755,'0'0'11926,"24"0"-8067,112-6 182,-30-1-3277,116-17 239,-190 24-838,-19 2-79,0-2 1,0 1 0,0-2 0,23-3-1,270-16 400,-224 19-435,160 7 218,454 15 774,-578-22-719,-63-1 95,77-14 1,-76 7-244,79-1-1,-75 9-127,-9 0-5,74 8 0,115 11-75,-46-12 32,315 0 91,-334 6 132,1 0 71,60-6-219,80 0-128,114-26 10,-55 14 129,385-16 971,-395 9-412,-359 13-1123,1 1 0,0 1 0,-1-1 0,1 1 0,-1 1 0,1-1 0,-1 1 0,11 6 0</inkml:trace>
 </inkml:ink>
 </file>
 
-<file path=ppt/ink/ink4.xml><?xml version="1.0" encoding="utf-8"?>
+<file path=ppt/ink/ink12.xml><?xml version="1.0" encoding="utf-8"?>
 <inkml:ink xmlns:inkml="http://www.w3.org/2003/InkML">
   <inkml:definitions>
     <inkml:context xml:id="ctx0">
@@ -242,7 +217,7 @@
           <inkml:channelProperty channel="F" name="resolution" value="0" units="1/dev"/>
         </inkml:channelProperties>
       </inkml:inkSource>
-      <inkml:timestamp xml:id="ts0" timeString="2022-01-29T10:30:11.703"/>
+      <inkml:timestamp xml:id="ts0" timeString="2022-01-30T01:19:18.406"/>
     </inkml:context>
     <inkml:brush xml:id="br0">
       <inkml:brushProperty name="width" value="0.05" units="cm"/>
@@ -250,11 +225,11 @@
       <inkml:brushProperty name="color" value="#E71224"/>
     </inkml:brush>
   </inkml:definitions>
-  <inkml:trace contextRef="#ctx0" brushRef="#br0">21 87 5093,'0'0'6555,"-20"-4"567,20 1-6929,0 1 1,0 0-1,0-1 1,0 1-1,0-1 1,0 1-1,0-1 0,1 1 1,-1 0-1,1-1 1,0 1-1,0 0 1,0-1-1,0 1 1,0 0-1,0 0 1,0 0-1,1 0 1,-1 0-1,1 0 0,0 0 1,-1 1-1,1-1 1,3-1-1,-1 0 256,2 0-278,-1 1 0,1 0 1,0 0-1,0 0 1,0 1-1,0-1 0,0 1 1,8 0-1,-13 1-165,85-8 1195,464 8 1111,-317 14-2083,39-8 273,143-6-166,-184 12-282,48-23 271,154 2-14,-259 11-333,428-2 240,-198-12-111,-402 13-585,0-1-1,1 1 0,-1 0 1,0-1-1,0 1 0,0 0 1,0 0-1,-1 1 0,1-1 1,0 0-1,0 0 0,-1 1 1,1-1-1,-1 1 1,1 0-1,-1-1 0,1 1 1,-1 0-1,2 4 0,-2-5 496</inkml:trace>
+  <inkml:trace contextRef="#ctx0" brushRef="#br0">16 1 4997,'0'0'8258,"-3"2"-7169,1-2-1537,-8 6 3709,20-4 1267,-7-2-4219,58 0 914,41-4-816,-63 2-190,1 1-1,55 7 1,54 1 135,249-7 305,-230 6-129,-107 2-330,82 6 63,-78-14-47,160-7 458,136-6-380,-308 13-258,68-1 62,199 7 75,296 9 268,-469-15-216,-61-3-149,-36 1 1,81 7 0,-84-1-59,55-4 0,-63-1-2,0 2 1,62 8-1,122 35 34,-129-34-37,0-3 1,174-12 0,-62-1 44,126-6 205,77 6-255,-272 7 10,229-7 69,-212-1 110,51-5 437,-9 4 110,-90 20-277,-104-12-446,0 1-1,0-1 1,0 0 0,-1 1-1,1-1 1,0 1 0,0 0 0,0 0-1,0 0 1,-1 0 0,1 0-1,0 0 1,-1 0 0,1 0-1,2 3 1,4 2-3708,6-52-23980</inkml:trace>
 </inkml:ink>
 </file>
 
-<file path=ppt/ink/ink5.xml><?xml version="1.0" encoding="utf-8"?>
+<file path=ppt/ink/ink13.xml><?xml version="1.0" encoding="utf-8"?>
 <inkml:ink xmlns:inkml="http://www.w3.org/2003/InkML">
   <inkml:definitions>
     <inkml:context xml:id="ctx0">
@@ -270,7 +245,7 @@
           <inkml:channelProperty channel="F" name="resolution" value="0" units="1/dev"/>
         </inkml:channelProperties>
       </inkml:inkSource>
-      <inkml:timestamp xml:id="ts0" timeString="2022-01-29T10:30:20.843"/>
+      <inkml:timestamp xml:id="ts0" timeString="2022-01-30T01:19:22.811"/>
     </inkml:context>
     <inkml:brush xml:id="br0">
       <inkml:brushProperty name="width" value="0.05" units="cm"/>
@@ -278,11 +253,11 @@
       <inkml:brushProperty name="color" value="#E71224"/>
     </inkml:brush>
   </inkml:definitions>
-  <inkml:trace contextRef="#ctx0" brushRef="#br0">0 193 2787,'0'0'5108,"10"-21"-1616,-12 9-2875,0-16 4162,2 28-4622,0-1-1,0 1 0,0-1 1,0 0-1,0 1 1,0-1-1,0 1 1,0-1-1,1 1 0,-1-1 1,0 0-1,0 1 1,0-1-1,1 1 0,-1-1 1,0 1-1,1-1 1,-1 1-1,1 0 1,-1-1-1,0 1 0,1-1 1,-1 1-1,1 0 1,-1-1-1,1 1 1,-1 0-1,1-1 0,-1 1 1,1 0-1,0 0 1,-1 0-1,1 0 0,-1 0 1,1-1-1,0 1 1,2 0 398,-1-1-495,-1-1-1,1 1 1,0 0 0,0 0-1,0-1 1,0 1 0,0 1 0,0-1-1,1 0 1,-1 0 0,0 1-1,0-1 1,1 1 0,-1 0 0,0 0-1,0 0 1,4 0 0,17-4 82,-4-3-123,-15 5-4,-1 1 0,0 0 0,0 0 0,1 0 0,-1 0 0,0 0-1,1 1 1,-1-1 0,4 1 0,46-3 41,73 1 177,-91 4-120,1-2 0,46-6-1,-41 2 83,52 1 0,150-3 542,34 0 389,-2 18-693,-9-6 84,-144-8-291,182 9-99,-82 5 1,-176-9-36,82-3 1,-47-2-16,139-4 56,83-6-42,-84 0 37,115 0 0,-284 11-91,-17 0 36,1 2 0,43 5 0,-6 2 45,-36-1-108,-3-1-1738,-3-2-3889,-16-13-1720,-5-1 5168,1 3-3139,17-16 717,-8-8 1393</inkml:trace>
+  <inkml:trace contextRef="#ctx0" brushRef="#br0">95 131 1153,'0'0'1025,"-4"-3"-2013,-4-4 1020,1 0 1,0-1-1,0 0 0,-9-16 0,14 20 1430,-16-40 4715,11 37-5580,2 0 688,0 2 2961,-4-2 142,18 12-2839,39 19-663,-19-19-341,-1-1 0,1-2 0,33-2 0,-54 0-488,112-6 492,-49 5-458,-22 0 88,93 8 0,-76 2-160,95-1-1,66 4 142,-163-10-123,-39 0 4,0-1 0,44-5 1,-28 0 83,52 1 0,319-9 153,-127 24-150,42 0-21,-82-6 245,-211-6-234,-10 1 54,0-2 1,34-4-1,-10-1-23,0 2 0,93 5 0,-24 1 269,-64-2-348,-11 0 122,-38 0-128,-2 0-61,0 0 1,0 0-1,0 0 1,0 0-1,0 1 1,0-1-1,0 1 1,0-1-1,0 1 1,0 0-1,0-1 1,-1 1-1,4 2 1,6 3-4436,-1 2 2538</inkml:trace>
 </inkml:ink>
 </file>
 
-<file path=ppt/ink/ink6.xml><?xml version="1.0" encoding="utf-8"?>
+<file path=ppt/ink/ink14.xml><?xml version="1.0" encoding="utf-8"?>
 <inkml:ink xmlns:inkml="http://www.w3.org/2003/InkML">
   <inkml:definitions>
     <inkml:context xml:id="ctx0">
@@ -298,7 +273,7 @@
           <inkml:channelProperty channel="F" name="resolution" value="0" units="1/dev"/>
         </inkml:channelProperties>
       </inkml:inkSource>
-      <inkml:timestamp xml:id="ts0" timeString="2022-01-29T10:30:25.554"/>
+      <inkml:timestamp xml:id="ts0" timeString="2022-01-30T01:19:27.313"/>
     </inkml:context>
     <inkml:brush xml:id="br0">
       <inkml:brushProperty name="width" value="0.05" units="cm"/>
@@ -306,7 +281,341 @@
       <inkml:brushProperty name="color" value="#E71224"/>
     </inkml:brush>
   </inkml:definitions>
-  <inkml:trace contextRef="#ctx0" brushRef="#br0">0 106 3908,'0'0'7682,"3"-3"-6935,12-12 3283,-15 14-3914,0 0-1,0 0 0,0 0 0,1 1 0,-1-1 0,0 0 0,0 0 0,1 0 0,-1 0 0,1 1 0,-1-1 1,1 0-1,-1 0 0,1 1 0,-1-1 0,1 0 0,0 1 0,-1-1 0,1 0 0,0 1 0,-1-1 0,1 1 0,0-1 1,0 1-1,0 0 0,-1-1 0,1 1 0,0 0 0,0-1 0,0 1 0,0 0 0,0 0 0,0 0 0,0 0 1,-1 0-1,1 0 0,0 0 0,1 0 0,-1 0-333,3 0 1003,0-1-427,8-2-142,0 1 1,0 1 0,0 0 0,0 1-1,0 0 1,0 0 0,0 2 0,0-1-1,22 7 1,23 0 397,-1 0-224,-1 0-129,7-3 107,-35-4-287,85 5 105,-76-2-128,1-2 0,61-5 0,-17 1 35,88-4 495,127 0-188,-48 12 43,-36 6-224,80 0 112,31-6 85,-103 0-288,74 0 219,-188-5-196,179-7 339,1-7-111,110 13-91,-350-3-6,76-12-1,-79 7-31,72-2 0,-46 9-2466,-66 2-677,2-36-10587,-5 32 11564,2-17-3374,1-11 79</inkml:trace>
+  <inkml:trace contextRef="#ctx0" brushRef="#br0">1 38 2306,'0'0'20889,"2"-3"-20563,8-9 48,-8 9 15,65 2 1944,-30-6-2191,0 3 0,1 1 0,-1 1 0,1 2-1,0 2 1,67 12 0,-48-11 38,45 0 121,-91-4-290,42 9-28,-8 2 56,0-2 1,1-2-1,0-2 0,-1-1 0,71-7 0,373-10 97,-354 15-26,59 11-164,1 0 54,47-12 225,-73-18 250,-153 18-443,-14 0-35,44-7 64,-18 3-38,13-3 30,83-1 0,-15 0 85,25 2-175,-120 4 37,30-2 0,-27 6 42,1 0 47,67-11-33,-59 8-51,-3 1-16,-7 0-37,12 4-1158,-18-2-1841</inkml:trace>
+</inkml:ink>
+</file>
+
+<file path=ppt/ink/ink15.xml><?xml version="1.0" encoding="utf-8"?>
+<inkml:ink xmlns:inkml="http://www.w3.org/2003/InkML">
+  <inkml:definitions>
+    <inkml:context xml:id="ctx0">
+      <inkml:inkSource xml:id="inkSrc0">
+        <inkml:traceFormat>
+          <inkml:channel name="X" type="integer" min="-2.14748E9" max="2.14748E9" units="cm"/>
+          <inkml:channel name="Y" type="integer" min="-2.14748E9" max="2.14748E9" units="cm"/>
+          <inkml:channel name="F" type="integer" max="32767" units="dev"/>
+        </inkml:traceFormat>
+        <inkml:channelProperties>
+          <inkml:channelProperty channel="X" name="resolution" value="1000" units="1/cm"/>
+          <inkml:channelProperty channel="Y" name="resolution" value="1000" units="1/cm"/>
+          <inkml:channelProperty channel="F" name="resolution" value="0" units="1/dev"/>
+        </inkml:channelProperties>
+      </inkml:inkSource>
+      <inkml:timestamp xml:id="ts0" timeString="2022-01-30T01:19:32.696"/>
+    </inkml:context>
+    <inkml:brush xml:id="br0">
+      <inkml:brushProperty name="width" value="0.05" units="cm"/>
+      <inkml:brushProperty name="height" value="0.05" units="cm"/>
+      <inkml:brushProperty name="color" value="#E71224"/>
+    </inkml:brush>
+  </inkml:definitions>
+  <inkml:trace contextRef="#ctx0" brushRef="#br0">14 87 5862,'-13'-13'16117,"20"13"-14901,-3 0-783,25 0 720,161-15 1103,3 0-2062,233-3 84,-114 7-140,35-4 258,-333 18-924,5 2-5517</inkml:trace>
+</inkml:ink>
+</file>
+
+<file path=ppt/ink/ink16.xml><?xml version="1.0" encoding="utf-8"?>
+<inkml:ink xmlns:inkml="http://www.w3.org/2003/InkML">
+  <inkml:definitions>
+    <inkml:context xml:id="ctx0">
+      <inkml:inkSource xml:id="inkSrc0">
+        <inkml:traceFormat>
+          <inkml:channel name="X" type="integer" min="-2.14748E9" max="2.14748E9" units="cm"/>
+          <inkml:channel name="Y" type="integer" min="-2.14748E9" max="2.14748E9" units="cm"/>
+          <inkml:channel name="F" type="integer" max="32767" units="dev"/>
+        </inkml:traceFormat>
+        <inkml:channelProperties>
+          <inkml:channelProperty channel="X" name="resolution" value="1000" units="1/cm"/>
+          <inkml:channelProperty channel="Y" name="resolution" value="1000" units="1/cm"/>
+          <inkml:channelProperty channel="F" name="resolution" value="0" units="1/dev"/>
+        </inkml:channelProperties>
+      </inkml:inkSource>
+      <inkml:timestamp xml:id="ts0" timeString="2022-01-30T01:19:33.963"/>
+    </inkml:context>
+    <inkml:brush xml:id="br0">
+      <inkml:brushProperty name="width" value="0.05" units="cm"/>
+      <inkml:brushProperty name="height" value="0.05" units="cm"/>
+      <inkml:brushProperty name="color" value="#E71224"/>
+    </inkml:brush>
+  </inkml:definitions>
+  <inkml:trace contextRef="#ctx0" brushRef="#br0">8 50 7623,'-1'-3'3673,"0"-1"-3165,-4-16 7183,5 19-7585,0 0-1,1 1 0,-1-1 1,0 0-1,1 1 0,-1-1 1,1 0-1,-1 1 0,1-1 1,-1 1-1,1-1 0,-1 1 1,1-1-1,0 1 0,-1 0 1,1-1-1,0 1 0,-1 0 0,1-1 1,0 1-1,-1 0 0,1 0 1,0 0-1,0 0 0,-1 0 1,1-1-1,0 1 0,0 1 1,-1-1-1,1 0 0,0 0 1,1 0-1,202-12 3034,364 43-843,-394-18-1522,-170-13-847,0 1 0,0-1 0,-1 1 1,1 0-1,0 0 0,-1 1 0,1-1 0,0 1 1,5 3-1,-5-3-96,0 0-803,10 2-5871,12-1-7378,-13-6 12901,2-13-2603,6 12 2919</inkml:trace>
+</inkml:ink>
+</file>
+
+<file path=ppt/ink/ink17.xml><?xml version="1.0" encoding="utf-8"?>
+<inkml:ink xmlns:inkml="http://www.w3.org/2003/InkML">
+  <inkml:definitions>
+    <inkml:context xml:id="ctx0">
+      <inkml:inkSource xml:id="inkSrc0">
+        <inkml:traceFormat>
+          <inkml:channel name="X" type="integer" min="-2.14748E9" max="2.14748E9" units="cm"/>
+          <inkml:channel name="Y" type="integer" min="-2.14748E9" max="2.14748E9" units="cm"/>
+          <inkml:channel name="F" type="integer" max="32767" units="dev"/>
+        </inkml:traceFormat>
+        <inkml:channelProperties>
+          <inkml:channelProperty channel="X" name="resolution" value="1000" units="1/cm"/>
+          <inkml:channelProperty channel="Y" name="resolution" value="1000" units="1/cm"/>
+          <inkml:channelProperty channel="F" name="resolution" value="0" units="1/dev"/>
+        </inkml:channelProperties>
+      </inkml:inkSource>
+      <inkml:timestamp xml:id="ts0" timeString="2022-01-30T01:20:00.827"/>
+    </inkml:context>
+    <inkml:brush xml:id="br0">
+      <inkml:brushProperty name="width" value="0.05" units="cm"/>
+      <inkml:brushProperty name="height" value="0.05" units="cm"/>
+      <inkml:brushProperty name="color" value="#E71224"/>
+    </inkml:brush>
+  </inkml:definitions>
+  <inkml:trace contextRef="#ctx0" brushRef="#br0">50 61 5093,'0'0'2738,"-20"-9"2275,15 3-5240,-19-16 15316,66 23-13941,-2 5-968,1-2-1,1-2 1,43-3 0,-31 1-88,429-20 69,-67 26-97,-53-18 21,-325 13-122,-21 0 45,-1 0 1,1-2-1,-1 0 1,29-5-1,-37 4 14,1 1-1,-1 0 0,1 1 1,-1 0-1,16 2 0,-1-1 140,-20-1 522</inkml:trace>
+</inkml:ink>
+</file>
+
+<file path=ppt/ink/ink18.xml><?xml version="1.0" encoding="utf-8"?>
+<inkml:ink xmlns:inkml="http://www.w3.org/2003/InkML">
+  <inkml:definitions>
+    <inkml:context xml:id="ctx0">
+      <inkml:inkSource xml:id="inkSrc0">
+        <inkml:traceFormat>
+          <inkml:channel name="X" type="integer" min="-2.14748E9" max="2.14748E9" units="cm"/>
+          <inkml:channel name="Y" type="integer" min="-2.14748E9" max="2.14748E9" units="cm"/>
+          <inkml:channel name="F" type="integer" max="32767" units="dev"/>
+        </inkml:traceFormat>
+        <inkml:channelProperties>
+          <inkml:channelProperty channel="X" name="resolution" value="1000" units="1/cm"/>
+          <inkml:channelProperty channel="Y" name="resolution" value="1000" units="1/cm"/>
+          <inkml:channelProperty channel="F" name="resolution" value="0" units="1/dev"/>
+        </inkml:channelProperties>
+      </inkml:inkSource>
+      <inkml:timestamp xml:id="ts0" timeString="2022-01-30T01:20:04.481"/>
+    </inkml:context>
+    <inkml:brush xml:id="br0">
+      <inkml:brushProperty name="width" value="0.05" units="cm"/>
+      <inkml:brushProperty name="height" value="0.05" units="cm"/>
+      <inkml:brushProperty name="color" value="#E71224"/>
+    </inkml:brush>
+  </inkml:definitions>
+  <inkml:trace contextRef="#ctx0" brushRef="#br0">19 141 2466,'-1'-14'2640,"-7"-13"13221,-1 16-11455,38 11-3295,-1-6-188,105 0 145,311 1-331,-216-15-385,-61 20-261,-138 1-86,119 10 129,-107-11-76,16 0 148,87-11-1,11-11 447,-143 19-581,1 1 1,0 1-1,0 0 0,16 1 1,-13 0-18,-13 0 832,-1 4-2739,0-2 2408,2 5-2239,-4-7 1416,0 0 0,0 1 0,1-1-1,-1 1 1,0-1 0,0 0-1,0 1 1,0-1 0,0 1 0,0-1-1,0 0 1,0 1 0,0-1-1,0 1 1,0-1 0,0 0 0,0 1-1,0-1 1,0 0 0,0 1-1,-1-1 1,1 1 0,0-1 0,0 0-1,0 1 1,-1-1 0,1 0-1,0 1 1,-3 1-1878,3-2 1878,0 0-1,-1 0 1,1 0 0,0 0-1,-1 0 1,1 1 0,-1-1 0,-14-26-10703,7 1 5521</inkml:trace>
+</inkml:ink>
+</file>
+
+<file path=ppt/ink/ink19.xml><?xml version="1.0" encoding="utf-8"?>
+<inkml:ink xmlns:inkml="http://www.w3.org/2003/InkML">
+  <inkml:definitions>
+    <inkml:context xml:id="ctx0">
+      <inkml:inkSource xml:id="inkSrc0">
+        <inkml:traceFormat>
+          <inkml:channel name="X" type="integer" min="-2.14748E9" max="2.14748E9" units="cm"/>
+          <inkml:channel name="Y" type="integer" min="-2.14748E9" max="2.14748E9" units="cm"/>
+          <inkml:channel name="F" type="integer" max="32767" units="dev"/>
+        </inkml:traceFormat>
+        <inkml:channelProperties>
+          <inkml:channelProperty channel="X" name="resolution" value="1000" units="1/cm"/>
+          <inkml:channelProperty channel="Y" name="resolution" value="1000" units="1/cm"/>
+          <inkml:channelProperty channel="F" name="resolution" value="0" units="1/dev"/>
+        </inkml:channelProperties>
+      </inkml:inkSource>
+      <inkml:timestamp xml:id="ts0" timeString="2022-01-30T01:20:10.192"/>
+    </inkml:context>
+    <inkml:brush xml:id="br0">
+      <inkml:brushProperty name="width" value="0.05" units="cm"/>
+      <inkml:brushProperty name="height" value="0.05" units="cm"/>
+      <inkml:brushProperty name="color" value="#E71224"/>
+    </inkml:brush>
+  </inkml:definitions>
+  <inkml:trace contextRef="#ctx0" brushRef="#br0">1 145 1922,'0'0'5045,"6"-39"3005,-7 30-8100,1 8 458,0 1 0,0-1 0,0 0 0,0 0 1,-1 0-1,1 0 0,0 0 0,0 0 0,0 0 0,1 0 0,-1 0 0,0 1 0,0-1 1,0 0-1,1 0 0,-1 0 0,1 0 0,-1 0 0,0 1 0,1-1 0,-1 0 0,1 0 1,0 1-1,-1-1 0,1 0 0,0 1 0,-1-1 0,2 0 0,17-2-507,19 1 528,52-10 0,-50 6-306,58-2 1,290-10 308,-385 19-2643,6 2 3757,6 2 1836,-5-3-6106,7-37-25509</inkml:trace>
+</inkml:ink>
+</file>
+
+<file path=ppt/ink/ink2.xml><?xml version="1.0" encoding="utf-8"?>
+<inkml:ink xmlns:inkml="http://www.w3.org/2003/InkML">
+  <inkml:definitions>
+    <inkml:context xml:id="ctx0">
+      <inkml:inkSource xml:id="inkSrc0">
+        <inkml:traceFormat>
+          <inkml:channel name="X" type="integer" min="-2.14748E9" max="2.14748E9" units="cm"/>
+          <inkml:channel name="Y" type="integer" min="-2.14748E9" max="2.14748E9" units="cm"/>
+        </inkml:traceFormat>
+        <inkml:channelProperties>
+          <inkml:channelProperty channel="X" name="resolution" value="1000" units="1/cm"/>
+          <inkml:channelProperty channel="Y" name="resolution" value="1000" units="1/cm"/>
+        </inkml:channelProperties>
+      </inkml:inkSource>
+      <inkml:timestamp xml:id="ts0" timeString="2023-05-16T06:54:50.524"/>
+    </inkml:context>
+    <inkml:brush xml:id="br0">
+      <inkml:brushProperty name="width" value="0.05" units="cm"/>
+      <inkml:brushProperty name="height" value="0.05" units="cm"/>
+      <inkml:brushProperty name="color" value="#E71224"/>
+      <inkml:brushProperty name="ignorePressure" value="1"/>
+    </inkml:brush>
+  </inkml:definitions>
+  <inkml:trace contextRef="#ctx0" brushRef="#br0">0 1,'0'5,"0"7,0 6,5 0,2 3,9 1,3 4,2-4,-2-6</inkml:trace>
+  <inkml:trace contextRef="#ctx0" brushRef="#br0" timeOffset="1058.21">29 238,'48'22,"178"-13,-250 8,5-10,0 0,0 1,1 1,0 0,1 2,0 0,0 1,1 1,1 0,0 1,1 0,1 2,0-1,-5 10,14-18</inkml:trace>
+  <inkml:trace contextRef="#ctx0" brushRef="#br0" timeOffset="2624.59">89 444,'6'2,"1"0,-1 1,0-1,0 1,0 0,0 1,0 0,0 0,-1 0,0 0,0 1,0 0,-1 0,1 0,-1 1,0-1,2 7,43 41,-47-54,0 1,1-1,-1 0,0 0,0 0,0 0,0 0,0-1,0 1,0-1,0 1,-1-1,1 1,-1-1,1 0,-1 0,0 0,1 0,-1 0,0 0,0 0,0 0,-1-1,1 1,0 0,-1 0,0-1,1 1,-1 0,0-1,0 1,-1 0,1-1,0 1,-1 0,1-1,-1 1,0 0,1 0,-1 0,0-1,-1 1,2-11,1 10,-1 0,0-1,1 1,0 0,0 0,0 0,0 0,0 0,0 0,1 0,0 0,-1 0,1 1,0-1,0 1,1-1,-1 1,0 0,1 0,0 0,-1 0,1 0,0 1,0-1,0 1,0 0,0 0,0 0,0 0,0 0,1 1,-1-1,0 1,0 0,1 0,-1 0,0 0,0 1,1-1,-1 1,2 1,80-22,-84 19,1-1,-1 0,1 1,-1-1,0 0,0 0,0 0,0 0,0 0,0 0,-1 0,1 0,-1-1,1 1,-1 0,0 0,0 0,0 0,0-1,0 1,-1 0,1 0,-1 0,1 0,-1 0,0-1,1 1,-1 0,0 1,-1-2,-12 44,9 128,6-132</inkml:trace>
+  <inkml:trace contextRef="#ctx0" brushRef="#br0" timeOffset="3521.46">413 622,'-52'30,"36"-19,1 2,0 0,0 0,1 1,1 1,1 0,0 1,0 1,2 0,0 0,1 0,1 2,-4 12,69-64,-52 31,0 0,0 1,1-1,-1 2,0-1,1 0,-1 1,1 0,-1 0,0 1,1-1,-1 1,0 0,1 1,-1-1,0 1,0 0,0 1,0-1,-1 1,1 0,-1 0,1 0,-1 1,0-1,0 1,-1 0,1 0,-1 0,2 4,12 8,-16-15,0 1,0-1,0 0,-1 1,1-1,0 0,1 0,-1 0,0 0,0 0,0 0,1 0,-1 0,0 0,1-1,-1 1,0-1,1 1,-1-1,1 1,-1-1,1 0,0 0,-1 1,1-1,-1 0,1-1,-1 1,1 0,-1 0,1-1,-1 1,1-1,-1 1,1-1,-1 1,0-1,1 0,-1 0,0 0,1 0,-1 0,0 0,0 0,0 0,0-1,13-21</inkml:trace>
+</inkml:ink>
+</file>
+
+<file path=ppt/ink/ink20.xml><?xml version="1.0" encoding="utf-8"?>
+<inkml:ink xmlns:inkml="http://www.w3.org/2003/InkML">
+  <inkml:definitions>
+    <inkml:context xml:id="ctx0">
+      <inkml:inkSource xml:id="inkSrc0">
+        <inkml:traceFormat>
+          <inkml:channel name="X" type="integer" min="-2.14748E9" max="2.14748E9" units="cm"/>
+          <inkml:channel name="Y" type="integer" min="-2.14748E9" max="2.14748E9" units="cm"/>
+          <inkml:channel name="F" type="integer" max="32767" units="dev"/>
+        </inkml:traceFormat>
+        <inkml:channelProperties>
+          <inkml:channelProperty channel="X" name="resolution" value="1000" units="1/cm"/>
+          <inkml:channelProperty channel="Y" name="resolution" value="1000" units="1/cm"/>
+          <inkml:channelProperty channel="F" name="resolution" value="0" units="1/dev"/>
+        </inkml:channelProperties>
+      </inkml:inkSource>
+      <inkml:timestamp xml:id="ts0" timeString="2022-01-30T01:20:11.816"/>
+    </inkml:context>
+    <inkml:brush xml:id="br0">
+      <inkml:brushProperty name="width" value="0.05" units="cm"/>
+      <inkml:brushProperty name="height" value="0.05" units="cm"/>
+      <inkml:brushProperty name="color" value="#E71224"/>
+    </inkml:brush>
+  </inkml:definitions>
+  <inkml:trace contextRef="#ctx0" brushRef="#br0">0 68 3203,'0'0'9887,"1"-21"-7005,13 2 4065,-8 14-7140,-3 3 1543,1 2-768,203-12 2845,75 6-2685,-238 5-632,-18 0 49,-1 1 0,50 7 0,-70-6-84,0-1-2121,15 4 6217,-14-3-6311</inkml:trace>
+</inkml:ink>
+</file>
+
+<file path=ppt/ink/ink21.xml><?xml version="1.0" encoding="utf-8"?>
+<inkml:ink xmlns:inkml="http://www.w3.org/2003/InkML">
+  <inkml:definitions>
+    <inkml:context xml:id="ctx0">
+      <inkml:inkSource xml:id="inkSrc0">
+        <inkml:traceFormat>
+          <inkml:channel name="X" type="integer" min="-2.14748E9" max="2.14748E9" units="cm"/>
+          <inkml:channel name="Y" type="integer" min="-2.14748E9" max="2.14748E9" units="cm"/>
+          <inkml:channel name="F" type="integer" max="32767" units="dev"/>
+        </inkml:traceFormat>
+        <inkml:channelProperties>
+          <inkml:channelProperty channel="X" name="resolution" value="1000" units="1/cm"/>
+          <inkml:channelProperty channel="Y" name="resolution" value="1000" units="1/cm"/>
+          <inkml:channelProperty channel="F" name="resolution" value="0" units="1/dev"/>
+        </inkml:channelProperties>
+      </inkml:inkSource>
+      <inkml:timestamp xml:id="ts0" timeString="2022-11-08T10:18:45.832"/>
+    </inkml:context>
+    <inkml:brush xml:id="br0">
+      <inkml:brushProperty name="width" value="0.05" units="cm"/>
+      <inkml:brushProperty name="height" value="0.05" units="cm"/>
+      <inkml:brushProperty name="color" value="#E71224"/>
+    </inkml:brush>
+  </inkml:definitions>
+  <inkml:trace contextRef="#ctx0" brushRef="#br0">2 63 24575,'0'24'0,"-1"-8"0,1 1 0,0-1 0,1 1 0,6 26 0,-7-41 0,1 0 0,-1 1 0,1-1 0,-1 0 0,1 0 0,0 0 0,0 1 0,0-1 0,1 0 0,-1 0 0,0-1 0,1 1 0,-1 0 0,1 0 0,-1-1 0,1 1 0,0-1 0,0 1 0,0-1 0,0 0 0,0 0 0,0 1 0,0-2 0,0 1 0,0 0 0,1 0 0,-1-1 0,0 1 0,1-1 0,-1 0 0,0 1 0,1-1 0,-1 0 0,0 0 0,1-1 0,-1 1 0,0 0 0,0-1 0,1 0 0,1 0 0,2-2 0,0 0 0,0 0 0,-1 0 0,1 0 0,-1-1 0,0 0 0,0 0 0,0 0 0,-1-1 0,0 0 0,1 0 0,-2 0 0,1 0 0,0 0 0,-1-1 0,4-10 0,-4 10 0,0 0 0,-1 0 0,1 0 0,-1-1 0,-1 1 0,1-1 0,-1 0 0,0 1 0,-1-1 0,1 0 0,-2 0 0,1 1 0,-1-1 0,1 0 0,-5-11 0,4 15 5,0 1 0,-1 0 0,1-1 0,-1 1 0,1 0 0,-1-1 0,0 1 0,0 0 0,0 0 0,0 1 0,-1-1 0,1 0 0,0 1 0,-1-1 0,1 1 0,-1 0 0,1 0 0,-1 0 0,0 0 0,1 0 0,-1 1 0,0-1 0,-5 1 0,0-1-191,0 1 1,1 0-1,-1 1 0,1 0 1,-1 0-1,1 0 1,-12 5-1,-2 1-6640</inkml:trace>
+</inkml:ink>
+</file>
+
+<file path=ppt/ink/ink3.xml><?xml version="1.0" encoding="utf-8"?>
+<inkml:ink xmlns:inkml="http://www.w3.org/2003/InkML">
+  <inkml:definitions>
+    <inkml:context xml:id="ctx0">
+      <inkml:inkSource xml:id="inkSrc0">
+        <inkml:traceFormat>
+          <inkml:channel name="X" type="integer" min="-2.14748E9" max="2.14748E9" units="cm"/>
+          <inkml:channel name="Y" type="integer" min="-2.14748E9" max="2.14748E9" units="cm"/>
+        </inkml:traceFormat>
+        <inkml:channelProperties>
+          <inkml:channelProperty channel="X" name="resolution" value="1000" units="1/cm"/>
+          <inkml:channelProperty channel="Y" name="resolution" value="1000" units="1/cm"/>
+        </inkml:channelProperties>
+      </inkml:inkSource>
+      <inkml:timestamp xml:id="ts0" timeString="2023-05-16T06:55:03.144"/>
+    </inkml:context>
+    <inkml:brush xml:id="br0">
+      <inkml:brushProperty name="width" value="0.05" units="cm"/>
+      <inkml:brushProperty name="height" value="0.05" units="cm"/>
+      <inkml:brushProperty name="color" value="#E71224"/>
+      <inkml:brushProperty name="ignorePressure" value="1"/>
+    </inkml:brush>
+  </inkml:definitions>
+  <inkml:trace contextRef="#ctx0" brushRef="#br0">1 0,'56'48,"38"135,-93-181,0 1,1-1,-1 0,1 0,-1 0,1 0,0 0,0 0,0-1,0 1,0-1,0 1,1-1,-1 0,0 0,1 0,-1 0,1 0,-1 0,1-1,-1 1,1-1,0 0,-1 0,1 0,-1 0,1 0,0 0,-1-1,1 1,-1-1,1 0,-1 0,1 0,-1 0,0 0,1 0,-1-1,0 1,0-1,0 1,0-1,0 0,-1 0,1 0,0 0,-1 0,1-1,74-109,-51 56,-14 36</inkml:trace>
+</inkml:ink>
+</file>
+
+<file path=ppt/ink/ink4.xml><?xml version="1.0" encoding="utf-8"?>
+<inkml:ink xmlns:inkml="http://www.w3.org/2003/InkML">
+  <inkml:definitions>
+    <inkml:context xml:id="ctx0">
+      <inkml:inkSource xml:id="inkSrc0">
+        <inkml:traceFormat>
+          <inkml:channel name="X" type="integer" min="-2.14748E9" max="2.14748E9" units="cm"/>
+          <inkml:channel name="Y" type="integer" min="-2.14748E9" max="2.14748E9" units="cm"/>
+        </inkml:traceFormat>
+        <inkml:channelProperties>
+          <inkml:channelProperty channel="X" name="resolution" value="1000" units="1/cm"/>
+          <inkml:channelProperty channel="Y" name="resolution" value="1000" units="1/cm"/>
+        </inkml:channelProperties>
+      </inkml:inkSource>
+      <inkml:timestamp xml:id="ts0" timeString="2023-05-16T06:55:05.616"/>
+    </inkml:context>
+    <inkml:brush xml:id="br0">
+      <inkml:brushProperty name="width" value="0.05" units="cm"/>
+      <inkml:brushProperty name="height" value="0.05" units="cm"/>
+      <inkml:brushProperty name="color" value="#E71224"/>
+      <inkml:brushProperty name="ignorePressure" value="1"/>
+    </inkml:brush>
+  </inkml:definitions>
+  <inkml:trace contextRef="#ctx0" brushRef="#br0">1 17,'4'2,"0"0,0 0,0 0,-1 1,1-1,0 1,-1 0,0 0,0 0,0 0,0 0,0 1,0-1,-1 1,0 0,0 0,0 0,0 0,-1 0,1 0,-1 1,6 11,38 79,-44-93,0 1,0-1,0 1,0-1,0 0,1 0,-1 1,1-1,-1 0,1 0,0 0,0-1,0 1,0 0,0-1,0 1,1-1,-1 0,0 0,1 0,-1 0,1 0,-1 0,1-1,-1 1,1-1,0 1,-1-1,1 0,-1 0,1-1,0 1,-1 0,1-1,-1 0,1 1,-1-1,1 0,-1 0,1 0,-1-1,1 0,99-65,36-80,-124 129</inkml:trace>
+</inkml:ink>
+</file>
+
+<file path=ppt/ink/ink5.xml><?xml version="1.0" encoding="utf-8"?>
+<inkml:ink xmlns:inkml="http://www.w3.org/2003/InkML">
+  <inkml:definitions>
+    <inkml:context xml:id="ctx0">
+      <inkml:inkSource xml:id="inkSrc0">
+        <inkml:traceFormat>
+          <inkml:channel name="X" type="integer" min="-2.14748E9" max="2.14748E9" units="cm"/>
+          <inkml:channel name="Y" type="integer" min="-2.14748E9" max="2.14748E9" units="cm"/>
+        </inkml:traceFormat>
+        <inkml:channelProperties>
+          <inkml:channelProperty channel="X" name="resolution" value="1000" units="1/cm"/>
+          <inkml:channelProperty channel="Y" name="resolution" value="1000" units="1/cm"/>
+        </inkml:channelProperties>
+      </inkml:inkSource>
+      <inkml:timestamp xml:id="ts0" timeString="2023-05-16T06:55:08.343"/>
+    </inkml:context>
+    <inkml:brush xml:id="br0">
+      <inkml:brushProperty name="width" value="0.05" units="cm"/>
+      <inkml:brushProperty name="height" value="0.05" units="cm"/>
+      <inkml:brushProperty name="color" value="#E71224"/>
+      <inkml:brushProperty name="ignorePressure" value="1"/>
+    </inkml:brush>
+  </inkml:definitions>
+  <inkml:trace contextRef="#ctx0" brushRef="#br0">1 0,'1'33,"2"0,1 0,1 0,2-1,2 1,1-2,1 0,9 17,-20-46,1 0,0 0,0 0,0 0,0 0,0 0,0 0,1 0,-1 0,1-1,-1 1,1 0,0-1,-1 1,1-1,0 0,0 0,0 0,0 0,0 0,0 0,1 0,-1-1,0 1,0-1,1 1,-1-1,0 0,0 0,1 0,-1 0,0 0,0-1,1 1,-1-1,0 1,0-1,0 0,0 0,1 0,-1 0,-1 0,1-1,0 1,1-1,82-81,-78 75,92-125,-77 97</inkml:trace>
+</inkml:ink>
+</file>
+
+<file path=ppt/ink/ink6.xml><?xml version="1.0" encoding="utf-8"?>
+<inkml:ink xmlns:inkml="http://www.w3.org/2003/InkML">
+  <inkml:definitions>
+    <inkml:context xml:id="ctx0">
+      <inkml:inkSource xml:id="inkSrc0">
+        <inkml:traceFormat>
+          <inkml:channel name="X" type="integer" min="-2.14748E9" max="2.14748E9" units="cm"/>
+          <inkml:channel name="Y" type="integer" min="-2.14748E9" max="2.14748E9" units="cm"/>
+        </inkml:traceFormat>
+        <inkml:channelProperties>
+          <inkml:channelProperty channel="X" name="resolution" value="1000" units="1/cm"/>
+          <inkml:channelProperty channel="Y" name="resolution" value="1000" units="1/cm"/>
+        </inkml:channelProperties>
+      </inkml:inkSource>
+      <inkml:timestamp xml:id="ts0" timeString="2023-05-16T06:55:11.341"/>
+    </inkml:context>
+    <inkml:brush xml:id="br0">
+      <inkml:brushProperty name="width" value="0.05" units="cm"/>
+      <inkml:brushProperty name="height" value="0.05" units="cm"/>
+      <inkml:brushProperty name="color" value="#E71224"/>
+      <inkml:brushProperty name="ignorePressure" value="1"/>
+    </inkml:brush>
+  </inkml:definitions>
+  <inkml:trace contextRef="#ctx0" brushRef="#br0">0 50,'58'236,"-59"-232,0 0,0 0,1-1,-1 1,1 0,0 0,0-1,1 1,-1 0,1 0,0-1,0 1,0-1,0 1,1 0,-1-1,1 0,0 1,0-1,0 0,0 0,1 0,-1-1,1 1,0 0,0-1,0 0,0 1,0-1,0-1,1 1,-1 0,1-1,-1 0,1 1,-1-1,1-1,0 1,0-1,-1 1,1-1,0 0,1 0,8-9,0 0,-1 0,0-1,-1 0,0-1,0-1,-2 1,1-2,-1 1,-1-1,0-1,-1 1,-1-1,0-1,0-2,6-7,47-102,-37 72</inkml:trace>
 </inkml:ink>
 </file>
 
@@ -326,7 +635,7 @@
           <inkml:channelProperty channel="F" name="resolution" value="0" units="1/dev"/>
         </inkml:channelProperties>
       </inkml:inkSource>
-      <inkml:timestamp xml:id="ts0" timeString="2022-01-29T10:30:43.453"/>
+      <inkml:timestamp xml:id="ts0" timeString="2022-01-30T01:17:42.065"/>
     </inkml:context>
     <inkml:brush xml:id="br0">
       <inkml:brushProperty name="width" value="0.05" units="cm"/>
@@ -334,7 +643,7 @@
       <inkml:brushProperty name="color" value="#E71224"/>
     </inkml:brush>
   </inkml:definitions>
-  <inkml:trace contextRef="#ctx0" brushRef="#br0">1 88 1057,'0'0'1842,"3"0"-839,15 0 3620,-15-3-3699,5-3-204,0 0 0,0 0 1,0 1-1,0 0 0,1 0 1,0 1-1,0 0 0,0 1 0,1 0 1,-1 0-1,1 1 0,16-2 0,57 0 208,8-3-105,-62 3-371,55 0 0,0 0-234,-4-1 5,96 6 1,-58 2 6,-84-3-173,244 11 73,75 3 826,151 4-251,642-18 1147,-735-6-1484,83 43-346,4 0-17,-369-36 28,215-7-29,-73-6 317,194-1 266,-382 13-512,169-13 52,-3 0-116,350 1 16,-487 12-16,213 5 42,524 16 238,-779-21-229,204-6 162,46 0 171,-260 1-219,-30 2-16,53-1 0,-75 3-122,11-3-1,3 3 11,74-5-32,-85 7-1910,7 1 5743,-15-1-5583</inkml:trace>
+  <inkml:trace contextRef="#ctx0" brushRef="#br0">1 1 6182,'0'0'12689,"21"3"-11792,-9 2-498,0-1 0,0 0 0,1 0 0,-1-1 0,1-1 0,0 0 0,23 1-1,8 2 116,11 2 74,64 0-1,-12-2-214,-6 0 69,114-9 0,-38-2-205,86 1 238,74 16-384,261 9-22,26-20 124,-148 6 127,-317-7-209,316 9 429,-352 2-425,154 5 336,131-9 216,-203-6-1008,-200 0 119,-1 0 1,0 1-1,1-1 0,-1 1 1,0 0-1,0 1 1,0-1-1,1 1 1,3 1-1,4-2-4191,2-8 2512,-11 6 683,-1 0 346,1 0 0,-1 1 1,0-1-1,0 0 0,1 0 0,-1-1 1,0 1-1,0 0 0,0-1 1,0 1-1,0-1 0,0 0 1,1-2-1,10-18-1888,0-25-1361</inkml:trace>
 </inkml:ink>
 </file>
 
@@ -354,7 +663,7 @@
           <inkml:channelProperty channel="F" name="resolution" value="0" units="1/dev"/>
         </inkml:channelProperties>
       </inkml:inkSource>
-      <inkml:timestamp xml:id="ts0" timeString="2022-01-29T10:30:58.614"/>
+      <inkml:timestamp xml:id="ts0" timeString="2022-01-30T01:18:11.288"/>
     </inkml:context>
     <inkml:brush xml:id="br0">
       <inkml:brushProperty name="width" value="0.05" units="cm"/>
@@ -362,7 +671,7 @@
       <inkml:brushProperty name="color" value="#E71224"/>
     </inkml:brush>
   </inkml:definitions>
-  <inkml:trace contextRef="#ctx0" brushRef="#br0">1 80 2787,'0'0'10911,"12"-11"-10150,-5 8 2242,67-7 1765,-29 3-4160,-18 6-134,-1-2 1,33-6 0,-36 5-153,1 0 1,28 1-1,156-3 714,295-12 245,-482 18-1253,301 11 136,-128-5 56,-10 0 3,80 13-63,270 35-154,-442-45 257,1-3 1,141-11-1,577-16 502,-553 23-745,742-2 97,-377 6-42,-176 11-16,-291-8 133,158-10 0,-150-6-60,50-4 88,-137 9-95,-8 3 65,-66-2-184,2 0-9,17 11 64,-19-8-130,1 2-3764,-3-3 3744,-1-1 1,0 1-1,0-1 0,0 1 1,0-1-1,1 0 0,-1 1 1,0-1-1,0 1 0,0-1 1,0 1-1,0-1 0,0 1 1,0-1-1,0 1 0,0-1 1,-1 2-1,2 1-755,-8-4 328</inkml:trace>
+  <inkml:trace contextRef="#ctx0" brushRef="#br0">15 12 4676,'0'0'3582,"-15"-5"6988,30 18-9753,-12-11-502,2 2-78,0-1 0,1 1 1,-1-1-1,1-1 0,-1 1 0,1-1 0,0 0 0,0 0 0,0 0 0,0-1 0,9 1 1,94 12 1005,35-1-629,213-13 427,-156-11-811,-150 10-210,-3 0 7,64 8 1,77 19 35,115 15 66,-42-38 509,-139-5-225,418-4 383,-463 5-742,-23-1 15,95 10 0,-101-4-34,51-1-1,386-3 100,-187 6-11,61 0-182,-189-20 108,4 0-13,343 8-84,-244-6 48,61-6 64,-246 16-51,78 3 28,-84 3-35,119-11 0,-20-1 51,160-3 61,-164-2-88,0 0 239,78 1 206,-39 6-91,-66 0-768,-128 13-2412,-18-4 1807,1-1-3746,-17 2-4264,11-4 8836,-1 0 0,0 0 1,0 0-1,1 0 0,-1 0 1,0 0-1,1 0 0,-2-1 0,-15-14-5058,4-7 27</inkml:trace>
 </inkml:ink>
 </file>
 
@@ -382,7 +691,7 @@
           <inkml:channelProperty channel="F" name="resolution" value="0" units="1/dev"/>
         </inkml:channelProperties>
       </inkml:inkSource>
-      <inkml:timestamp xml:id="ts0" timeString="2022-01-29T10:31:05.366"/>
+      <inkml:timestamp xml:id="ts0" timeString="2022-01-30T01:18:41.908"/>
     </inkml:context>
     <inkml:brush xml:id="br0">
       <inkml:brushProperty name="width" value="0.05" units="cm"/>
@@ -390,7 +699,7 @@
       <inkml:brushProperty name="color" value="#E71224"/>
     </inkml:brush>
   </inkml:definitions>
-  <inkml:trace contextRef="#ctx0" brushRef="#br0">52 32 5285,'-2'15'3415,"-11"-15"57,10-1-1305,-21 1 3560,15 0-3042,21 0-3164,-9 0 756,1 0-152,1 0-1,-1 0 0,0 0 1,0 1-1,0 0 0,0 0 1,6 2-1,-7-3-62,10 4 184,1-2 0,-1 1 0,1-2-1,-1 0 1,1-1 0,26-2 0,-22 0 11,0 2 1,27 2-1,224 24 654,-90-11-284,486 10 777,-545-22-1248,-45 0 43,87-8 1,-81-3-109,277-33 432,-214 32-324,-12 2 141,-102 5-301,0 1 0,0 2-1,56 9 1,39 0 36,156 10 85,-53-4-104,-1 0-43,69-10 313,66 0 37,-341-6-354,396-11 89,45 1 325,-326 11-334,22-9 103,325 2-133,-69-6-59,-242 4 0,161 2 0,62 6 0,-313-5 0,-54 6 0,-4 2 0,-20-2-2,32 5-453,-27 0-1182,-3-1 368,42-69-20720,-25 26 16432</inkml:trace>
+  <inkml:trace contextRef="#ctx0" brushRef="#br0">78 18 7143,'0'0'9646,"-3"-3"-9117,2 1-423,0 1 0,0 0 0,0 0 0,1 0 0,-1 0 0,0 1 0,0-1 0,-1 0 0,1 0-1,0 1 1,0-1 0,0 0 0,0 1 0,-1-1 0,1 1 0,0-1 0,0 1 0,-1 0 0,1 0 0,0 0 0,-1-1 0,1 1 0,0 0 0,-1 1 0,1-1 0,-2 0 0,-7 41 604,2 19-283,-1-18-334,3 1-1,1 0 0,2 1 1,4 73-1,0-46-47,0 9-13,17 113 0,-10-146-16,2 0 0,1-1 0,32 76 0,-35-104-49,1-1 0,1-1-1,1 0 1,0 0-1,1-1 1,1-1-1,1 0 1,-1 0-1,2-2 1,0 1-1,1-2 1,0 0 0,0-1-1,21 9 1,-32-17-768,1 1 1,-1-1 0,1 0-1,-1 0 1,1-1-1,0 0 1,0 0 0,-1 0-1,1-1 1,11 0 0,-14 0 384,0 0 0,-1-1 0,1 1 1,-1-1-1,1 0 0,-1 0 1,1 0-1,-1 0 0,1 0 0,-1-1 1,0 1-1,0-1 0,0 1 1,0-1-1,0 0 0,0 0 0,0 0 1,0 0-1,-1 0 0,1 0 1,-1-1-1,0 1 0,1 0 1,0-5-1,3-40-1837</inkml:trace>
 </inkml:ink>
 </file>
 
@@ -541,7 +850,7 @@
           <a:p>
             <a:fld id="{E882709F-500A-49AE-A737-D627064AB189}" type="datetimeFigureOut">
               <a:rPr lang="ko-KR" altLang="en-US" smtClean="0"/>
-              <a:t>2023-05-16</a:t>
+              <a:t>2024-05-22</a:t>
             </a:fld>
             <a:endParaRPr lang="ko-KR" altLang="en-US"/>
           </a:p>
@@ -739,7 +1048,7 @@
           <a:p>
             <a:fld id="{E882709F-500A-49AE-A737-D627064AB189}" type="datetimeFigureOut">
               <a:rPr lang="ko-KR" altLang="en-US" smtClean="0"/>
-              <a:t>2023-05-16</a:t>
+              <a:t>2024-05-22</a:t>
             </a:fld>
             <a:endParaRPr lang="ko-KR" altLang="en-US"/>
           </a:p>
@@ -947,7 +1256,7 @@
           <a:p>
             <a:fld id="{E882709F-500A-49AE-A737-D627064AB189}" type="datetimeFigureOut">
               <a:rPr lang="ko-KR" altLang="en-US" smtClean="0"/>
-              <a:t>2023-05-16</a:t>
+              <a:t>2024-05-22</a:t>
             </a:fld>
             <a:endParaRPr lang="ko-KR" altLang="en-US"/>
           </a:p>
@@ -1145,7 +1454,7 @@
           <a:p>
             <a:fld id="{E882709F-500A-49AE-A737-D627064AB189}" type="datetimeFigureOut">
               <a:rPr lang="ko-KR" altLang="en-US" smtClean="0"/>
-              <a:t>2023-05-16</a:t>
+              <a:t>2024-05-22</a:t>
             </a:fld>
             <a:endParaRPr lang="ko-KR" altLang="en-US"/>
           </a:p>
@@ -1420,7 +1729,7 @@
           <a:p>
             <a:fld id="{E882709F-500A-49AE-A737-D627064AB189}" type="datetimeFigureOut">
               <a:rPr lang="ko-KR" altLang="en-US" smtClean="0"/>
-              <a:t>2023-05-16</a:t>
+              <a:t>2024-05-22</a:t>
             </a:fld>
             <a:endParaRPr lang="ko-KR" altLang="en-US"/>
           </a:p>
@@ -1685,7 +1994,7 @@
           <a:p>
             <a:fld id="{E882709F-500A-49AE-A737-D627064AB189}" type="datetimeFigureOut">
               <a:rPr lang="ko-KR" altLang="en-US" smtClean="0"/>
-              <a:t>2023-05-16</a:t>
+              <a:t>2024-05-22</a:t>
             </a:fld>
             <a:endParaRPr lang="ko-KR" altLang="en-US"/>
           </a:p>
@@ -2097,7 +2406,7 @@
           <a:p>
             <a:fld id="{E882709F-500A-49AE-A737-D627064AB189}" type="datetimeFigureOut">
               <a:rPr lang="ko-KR" altLang="en-US" smtClean="0"/>
-              <a:t>2023-05-16</a:t>
+              <a:t>2024-05-22</a:t>
             </a:fld>
             <a:endParaRPr lang="ko-KR" altLang="en-US"/>
           </a:p>
@@ -2238,7 +2547,7 @@
           <a:p>
             <a:fld id="{E882709F-500A-49AE-A737-D627064AB189}" type="datetimeFigureOut">
               <a:rPr lang="ko-KR" altLang="en-US" smtClean="0"/>
-              <a:t>2023-05-16</a:t>
+              <a:t>2024-05-22</a:t>
             </a:fld>
             <a:endParaRPr lang="ko-KR" altLang="en-US"/>
           </a:p>
@@ -2351,7 +2660,7 @@
           <a:p>
             <a:fld id="{E882709F-500A-49AE-A737-D627064AB189}" type="datetimeFigureOut">
               <a:rPr lang="ko-KR" altLang="en-US" smtClean="0"/>
-              <a:t>2023-05-16</a:t>
+              <a:t>2024-05-22</a:t>
             </a:fld>
             <a:endParaRPr lang="ko-KR" altLang="en-US"/>
           </a:p>
@@ -2662,7 +2971,7 @@
           <a:p>
             <a:fld id="{E882709F-500A-49AE-A737-D627064AB189}" type="datetimeFigureOut">
               <a:rPr lang="ko-KR" altLang="en-US" smtClean="0"/>
-              <a:t>2023-05-16</a:t>
+              <a:t>2024-05-22</a:t>
             </a:fld>
             <a:endParaRPr lang="ko-KR" altLang="en-US"/>
           </a:p>
@@ -2950,7 +3259,7 @@
           <a:p>
             <a:fld id="{E882709F-500A-49AE-A737-D627064AB189}" type="datetimeFigureOut">
               <a:rPr lang="ko-KR" altLang="en-US" smtClean="0"/>
-              <a:t>2023-05-16</a:t>
+              <a:t>2024-05-22</a:t>
             </a:fld>
             <a:endParaRPr lang="ko-KR" altLang="en-US"/>
           </a:p>
@@ -3191,7 +3500,7 @@
           <a:p>
             <a:fld id="{E882709F-500A-49AE-A737-D627064AB189}" type="datetimeFigureOut">
               <a:rPr lang="ko-KR" altLang="en-US" smtClean="0"/>
-              <a:t>2023-05-16</a:t>
+              <a:t>2024-05-22</a:t>
             </a:fld>
             <a:endParaRPr lang="ko-KR" altLang="en-US"/>
           </a:p>
@@ -3610,10 +3919,10 @@
       </p:grpSpPr>
       <p:pic>
         <p:nvPicPr>
-          <p:cNvPr id="2" name="그림 1">
-            <a:extLst>
-              <a:ext uri="{FF2B5EF4-FFF2-40B4-BE49-F238E27FC236}">
-                <a16:creationId xmlns:a16="http://schemas.microsoft.com/office/drawing/2014/main" id="{82E69AD5-4E6F-4DD8-857F-3B2E8EAC194F}"/>
+          <p:cNvPr id="4" name="그림 3">
+            <a:extLst>
+              <a:ext uri="{FF2B5EF4-FFF2-40B4-BE49-F238E27FC236}">
+                <a16:creationId xmlns:a16="http://schemas.microsoft.com/office/drawing/2014/main" id="{0E9CF2C7-D79A-8273-EC2C-77E064692F4D}"/>
               </a:ext>
             </a:extLst>
           </p:cNvPr>
@@ -3630,8 +3939,8 @@
         </p:blipFill>
         <p:spPr>
           <a:xfrm>
-            <a:off x="2552272" y="813391"/>
-            <a:ext cx="7087455" cy="5231217"/>
+            <a:off x="1608273" y="1265274"/>
+            <a:ext cx="8975454" cy="4327451"/>
           </a:xfrm>
           <a:prstGeom prst="rect">
             <a:avLst/>
@@ -3641,7 +3950,7 @@
     </p:spTree>
     <p:extLst>
       <p:ext uri="{BB962C8B-B14F-4D97-AF65-F5344CB8AC3E}">
-        <p14:creationId xmlns:p14="http://schemas.microsoft.com/office/powerpoint/2010/main" val="4143415027"/>
+        <p14:creationId xmlns:p14="http://schemas.microsoft.com/office/powerpoint/2010/main" val="2425683853"/>
       </p:ext>
     </p:extLst>
   </p:cSld>
@@ -3670,10 +3979,10 @@
       </p:grpSpPr>
       <p:sp>
         <p:nvSpPr>
-          <p:cNvPr id="4" name="TextBox 3">
-            <a:extLst>
-              <a:ext uri="{FF2B5EF4-FFF2-40B4-BE49-F238E27FC236}">
-                <a16:creationId xmlns:a16="http://schemas.microsoft.com/office/drawing/2014/main" id="{8F075C62-0B93-4488-A444-6E8F31C25977}"/>
+          <p:cNvPr id="2" name="TextBox 1">
+            <a:extLst>
+              <a:ext uri="{FF2B5EF4-FFF2-40B4-BE49-F238E27FC236}">
+                <a16:creationId xmlns:a16="http://schemas.microsoft.com/office/drawing/2014/main" id="{6FFECF1F-290D-4DC4-9B11-5563E3B6F498}"/>
               </a:ext>
             </a:extLst>
           </p:cNvPr>
@@ -3682,8 +3991,8 @@
         </p:nvSpPr>
         <p:spPr>
           <a:xfrm>
-            <a:off x="1716372" y="1193858"/>
-            <a:ext cx="8951053" cy="923330"/>
+            <a:off x="3946749" y="667338"/>
+            <a:ext cx="5150729" cy="923330"/>
           </a:xfrm>
           <a:prstGeom prst="rect">
             <a:avLst/>
@@ -3700,76 +4009,502 @@
               <a:buAutoNum type="arabicPeriod"/>
             </a:pPr>
             <a:r>
-              <a:rPr lang="en-US" altLang="ko-KR" dirty="0" err="1"/>
-              <a:t>JLabel</a:t>
-            </a:r>
-            <a:r>
               <a:rPr lang="en-US" altLang="ko-KR" dirty="0"/>
-              <a:t> </a:t>
+              <a:t>CheckBoxPracticeFrameEx.java</a:t>
             </a:r>
             <a:r>
               <a:rPr lang="ko-KR" altLang="en-US" dirty="0"/>
-              <a:t>컴포넌트로 </a:t>
-            </a:r>
+              <a:t>로 파일 생성</a:t>
+            </a:r>
+            <a:endParaRPr lang="en-US" altLang="ko-KR" dirty="0"/>
+          </a:p>
+          <a:p>
+            <a:pPr marL="342900" indent="-342900">
+              <a:buFontTx/>
+              <a:buAutoNum type="arabicPeriod"/>
+            </a:pPr>
+            <a:r>
+              <a:rPr lang="ko-KR" altLang="en-US" dirty="0"/>
+              <a:t>체크박스를 라디오버튼으로 변경</a:t>
+            </a:r>
+            <a:endParaRPr lang="en-US" altLang="ko-KR" dirty="0"/>
+          </a:p>
+          <a:p>
+            <a:pPr marL="342900" indent="-342900">
+              <a:buAutoNum type="arabicPeriod"/>
+            </a:pPr>
             <a:r>
               <a:rPr lang="en-US" altLang="ko-KR" dirty="0"/>
-              <a:t>"Love Java"</a:t>
+              <a:t>Label</a:t>
             </a:r>
             <a:r>
               <a:rPr lang="ko-KR" altLang="en-US" dirty="0"/>
-              <a:t>를 출력하고</a:t>
-            </a:r>
-            <a:r>
-              <a:rPr lang="en-US" altLang="ko-KR" dirty="0"/>
-              <a:t>, </a:t>
-            </a:r>
-            <a:r>
-              <a:rPr lang="ko-KR" altLang="en-US" dirty="0"/>
-              <a:t>마우스 좌측 버튼을 누르면 폰트 크기를 </a:t>
-            </a:r>
-            <a:r>
-              <a:rPr lang="en-US" altLang="ko-KR" dirty="0"/>
-              <a:t>5</a:t>
-            </a:r>
-            <a:r>
-              <a:rPr lang="ko-KR" altLang="en-US" dirty="0" err="1"/>
-              <a:t>픽셀씩</a:t>
-            </a:r>
-            <a:r>
-              <a:rPr lang="ko-KR" altLang="en-US" dirty="0"/>
-              <a:t> 키우고</a:t>
-            </a:r>
-            <a:r>
-              <a:rPr lang="en-US" altLang="ko-KR" dirty="0"/>
-              <a:t>, </a:t>
-            </a:r>
-            <a:r>
-              <a:rPr lang="ko-KR" altLang="en-US" dirty="0"/>
-              <a:t>마우스 우측 버튼을 누르면 폰트 크기를 </a:t>
-            </a:r>
-            <a:r>
-              <a:rPr lang="en-US" altLang="ko-KR" dirty="0"/>
-              <a:t>5</a:t>
-            </a:r>
-            <a:r>
-              <a:rPr lang="ko-KR" altLang="en-US" dirty="0" err="1"/>
-              <a:t>픽셀씩</a:t>
-            </a:r>
-            <a:r>
-              <a:rPr lang="ko-KR" altLang="en-US" dirty="0"/>
-              <a:t> 줄이는 스윙 응용프로그램을 작성하라</a:t>
-            </a:r>
-            <a:r>
-              <a:rPr lang="en-US" altLang="ko-KR" dirty="0"/>
-              <a:t>.</a:t>
-            </a:r>
-          </a:p>
-        </p:txBody>
-      </p:sp>
+              <a:t>로 클릭한 버튼이 보임</a:t>
+            </a:r>
+            <a:endParaRPr lang="en-US" altLang="ko-KR" dirty="0"/>
+          </a:p>
+        </p:txBody>
+      </p:sp>
+      <p:pic>
+        <p:nvPicPr>
+          <p:cNvPr id="7" name="그림 6">
+            <a:extLst>
+              <a:ext uri="{FF2B5EF4-FFF2-40B4-BE49-F238E27FC236}">
+                <a16:creationId xmlns:a16="http://schemas.microsoft.com/office/drawing/2014/main" id="{AFD709EB-F6C2-456C-96EF-C21AAC9FDA4E}"/>
+              </a:ext>
+            </a:extLst>
+          </p:cNvPr>
+          <p:cNvPicPr>
+            <a:picLocks noChangeAspect="1"/>
+          </p:cNvPicPr>
+          <p:nvPr/>
+        </p:nvPicPr>
+        <p:blipFill>
+          <a:blip r:embed="rId2"/>
+          <a:stretch>
+            <a:fillRect/>
+          </a:stretch>
+        </p:blipFill>
+        <p:spPr>
+          <a:xfrm>
+            <a:off x="942310" y="2066925"/>
+            <a:ext cx="2247900" cy="1362075"/>
+          </a:xfrm>
+          <a:prstGeom prst="rect">
+            <a:avLst/>
+          </a:prstGeom>
+        </p:spPr>
+      </p:pic>
+      <p:pic>
+        <p:nvPicPr>
+          <p:cNvPr id="8" name="그림 7">
+            <a:extLst>
+              <a:ext uri="{FF2B5EF4-FFF2-40B4-BE49-F238E27FC236}">
+                <a16:creationId xmlns:a16="http://schemas.microsoft.com/office/drawing/2014/main" id="{DF454CF5-9FB9-4A2C-854E-28FF7C1D17CE}"/>
+              </a:ext>
+            </a:extLst>
+          </p:cNvPr>
+          <p:cNvPicPr>
+            <a:picLocks noChangeAspect="1"/>
+          </p:cNvPicPr>
+          <p:nvPr/>
+        </p:nvPicPr>
+        <p:blipFill>
+          <a:blip r:embed="rId3"/>
+          <a:stretch>
+            <a:fillRect/>
+          </a:stretch>
+        </p:blipFill>
+        <p:spPr>
+          <a:xfrm>
+            <a:off x="942310" y="3874459"/>
+            <a:ext cx="2247900" cy="1362075"/>
+          </a:xfrm>
+          <a:prstGeom prst="rect">
+            <a:avLst/>
+          </a:prstGeom>
+        </p:spPr>
+      </p:pic>
+      <p:pic>
+        <p:nvPicPr>
+          <p:cNvPr id="9" name="그림 8">
+            <a:extLst>
+              <a:ext uri="{FF2B5EF4-FFF2-40B4-BE49-F238E27FC236}">
+                <a16:creationId xmlns:a16="http://schemas.microsoft.com/office/drawing/2014/main" id="{AEC41C8C-9106-4ED4-A90F-3EA403474493}"/>
+              </a:ext>
+            </a:extLst>
+          </p:cNvPr>
+          <p:cNvPicPr>
+            <a:picLocks noChangeAspect="1"/>
+          </p:cNvPicPr>
+          <p:nvPr/>
+        </p:nvPicPr>
+        <p:blipFill>
+          <a:blip r:embed="rId4"/>
+          <a:stretch>
+            <a:fillRect/>
+          </a:stretch>
+        </p:blipFill>
+        <p:spPr>
+          <a:xfrm>
+            <a:off x="3617288" y="3874459"/>
+            <a:ext cx="2247900" cy="1362075"/>
+          </a:xfrm>
+          <a:prstGeom prst="rect">
+            <a:avLst/>
+          </a:prstGeom>
+        </p:spPr>
+      </p:pic>
+      <p:pic>
+        <p:nvPicPr>
+          <p:cNvPr id="10" name="그림 9">
+            <a:extLst>
+              <a:ext uri="{FF2B5EF4-FFF2-40B4-BE49-F238E27FC236}">
+                <a16:creationId xmlns:a16="http://schemas.microsoft.com/office/drawing/2014/main" id="{01F93310-B6D4-4C44-BFE1-4D2DA5282B39}"/>
+              </a:ext>
+            </a:extLst>
+          </p:cNvPr>
+          <p:cNvPicPr>
+            <a:picLocks noChangeAspect="1"/>
+          </p:cNvPicPr>
+          <p:nvPr/>
+        </p:nvPicPr>
+        <p:blipFill>
+          <a:blip r:embed="rId5"/>
+          <a:stretch>
+            <a:fillRect/>
+          </a:stretch>
+        </p:blipFill>
+        <p:spPr>
+          <a:xfrm>
+            <a:off x="6753892" y="3874459"/>
+            <a:ext cx="2247900" cy="1362075"/>
+          </a:xfrm>
+          <a:prstGeom prst="rect">
+            <a:avLst/>
+          </a:prstGeom>
+        </p:spPr>
+      </p:pic>
+      <p:pic>
+        <p:nvPicPr>
+          <p:cNvPr id="11" name="그림 10">
+            <a:extLst>
+              <a:ext uri="{FF2B5EF4-FFF2-40B4-BE49-F238E27FC236}">
+                <a16:creationId xmlns:a16="http://schemas.microsoft.com/office/drawing/2014/main" id="{742377D6-D661-4775-AFDB-4FEE993A9902}"/>
+              </a:ext>
+            </a:extLst>
+          </p:cNvPr>
+          <p:cNvPicPr>
+            <a:picLocks noChangeAspect="1"/>
+          </p:cNvPicPr>
+          <p:nvPr/>
+        </p:nvPicPr>
+        <p:blipFill>
+          <a:blip r:embed="rId6"/>
+          <a:stretch>
+            <a:fillRect/>
+          </a:stretch>
+        </p:blipFill>
+        <p:spPr>
+          <a:xfrm>
+            <a:off x="9565315" y="3874459"/>
+            <a:ext cx="2247900" cy="1362075"/>
+          </a:xfrm>
+          <a:prstGeom prst="rect">
+            <a:avLst/>
+          </a:prstGeom>
+        </p:spPr>
+      </p:pic>
+      <mc:AlternateContent xmlns:mc="http://schemas.openxmlformats.org/markup-compatibility/2006" xmlns:p14="http://schemas.microsoft.com/office/powerpoint/2010/main">
+        <mc:Choice Requires="p14">
+          <p:contentPart p14:bwMode="auto" r:id="rId7">
+            <p14:nvContentPartPr>
+              <p14:cNvPr id="21" name="잉크 20">
+                <a:extLst>
+                  <a:ext uri="{FF2B5EF4-FFF2-40B4-BE49-F238E27FC236}">
+                    <a16:creationId xmlns:a16="http://schemas.microsoft.com/office/drawing/2014/main" id="{D5FC6884-4D73-4F2C-AD10-5EB31DA93F02}"/>
+                  </a:ext>
+                </a:extLst>
+              </p14:cNvPr>
+              <p14:cNvContentPartPr/>
+              <p14:nvPr/>
+            </p14:nvContentPartPr>
+            <p14:xfrm>
+              <a:off x="3710629" y="2424039"/>
+              <a:ext cx="436680" cy="319680"/>
+            </p14:xfrm>
+          </p:contentPart>
+        </mc:Choice>
+        <mc:Fallback xmlns="">
+          <p:pic>
+            <p:nvPicPr>
+              <p:cNvPr id="21" name="잉크 20">
+                <a:extLst>
+                  <a:ext uri="{FF2B5EF4-FFF2-40B4-BE49-F238E27FC236}">
+                    <a16:creationId xmlns:a16="http://schemas.microsoft.com/office/drawing/2014/main" id="{D5FC6884-4D73-4F2C-AD10-5EB31DA93F02}"/>
+                  </a:ext>
+                </a:extLst>
+              </p:cNvPr>
+              <p:cNvPicPr/>
+              <p:nvPr/>
+            </p:nvPicPr>
+            <p:blipFill>
+              <a:blip r:embed="rId8"/>
+              <a:stretch>
+                <a:fillRect/>
+              </a:stretch>
+            </p:blipFill>
+            <p:spPr>
+              <a:xfrm>
+                <a:off x="3701629" y="2415039"/>
+                <a:ext cx="454320" cy="337320"/>
+              </a:xfrm>
+              <a:prstGeom prst="rect">
+                <a:avLst/>
+              </a:prstGeom>
+            </p:spPr>
+          </p:pic>
+        </mc:Fallback>
+      </mc:AlternateContent>
+      <mc:AlternateContent xmlns:mc="http://schemas.openxmlformats.org/markup-compatibility/2006" xmlns:p14="http://schemas.microsoft.com/office/powerpoint/2010/main">
+        <mc:Choice Requires="p14">
+          <p:contentPart p14:bwMode="auto" r:id="rId9">
+            <p14:nvContentPartPr>
+              <p14:cNvPr id="22" name="잉크 21">
+                <a:extLst>
+                  <a:ext uri="{FF2B5EF4-FFF2-40B4-BE49-F238E27FC236}">
+                    <a16:creationId xmlns:a16="http://schemas.microsoft.com/office/drawing/2014/main" id="{193881F0-D2DD-4EB6-A706-A385A04EEB31}"/>
+                  </a:ext>
+                </a:extLst>
+              </p14:cNvPr>
+              <p14:cNvContentPartPr/>
+              <p14:nvPr/>
+            </p14:nvContentPartPr>
+            <p14:xfrm>
+              <a:off x="3476629" y="2370399"/>
+              <a:ext cx="175680" cy="335880"/>
+            </p14:xfrm>
+          </p:contentPart>
+        </mc:Choice>
+        <mc:Fallback xmlns="">
+          <p:pic>
+            <p:nvPicPr>
+              <p:cNvPr id="22" name="잉크 21">
+                <a:extLst>
+                  <a:ext uri="{FF2B5EF4-FFF2-40B4-BE49-F238E27FC236}">
+                    <a16:creationId xmlns:a16="http://schemas.microsoft.com/office/drawing/2014/main" id="{193881F0-D2DD-4EB6-A706-A385A04EEB31}"/>
+                  </a:ext>
+                </a:extLst>
+              </p:cNvPr>
+              <p:cNvPicPr/>
+              <p:nvPr/>
+            </p:nvPicPr>
+            <p:blipFill>
+              <a:blip r:embed="rId10"/>
+              <a:stretch>
+                <a:fillRect/>
+              </a:stretch>
+            </p:blipFill>
+            <p:spPr>
+              <a:xfrm>
+                <a:off x="3467629" y="2361759"/>
+                <a:ext cx="193320" cy="353520"/>
+              </a:xfrm>
+              <a:prstGeom prst="rect">
+                <a:avLst/>
+              </a:prstGeom>
+            </p:spPr>
+          </p:pic>
+        </mc:Fallback>
+      </mc:AlternateContent>
+      <mc:AlternateContent xmlns:mc="http://schemas.openxmlformats.org/markup-compatibility/2006" xmlns:p14="http://schemas.microsoft.com/office/powerpoint/2010/main">
+        <mc:Choice Requires="p14">
+          <p:contentPart p14:bwMode="auto" r:id="rId11">
+            <p14:nvContentPartPr>
+              <p14:cNvPr id="23" name="잉크 22">
+                <a:extLst>
+                  <a:ext uri="{FF2B5EF4-FFF2-40B4-BE49-F238E27FC236}">
+                    <a16:creationId xmlns:a16="http://schemas.microsoft.com/office/drawing/2014/main" id="{1D020762-7986-465F-A990-039C16FCA9F3}"/>
+                  </a:ext>
+                </a:extLst>
+              </p14:cNvPr>
+              <p14:cNvContentPartPr/>
+              <p14:nvPr/>
+            </p14:nvContentPartPr>
+            <p14:xfrm>
+              <a:off x="1169029" y="4252479"/>
+              <a:ext cx="132840" cy="95400"/>
+            </p14:xfrm>
+          </p:contentPart>
+        </mc:Choice>
+        <mc:Fallback xmlns="">
+          <p:pic>
+            <p:nvPicPr>
+              <p:cNvPr id="23" name="잉크 22">
+                <a:extLst>
+                  <a:ext uri="{FF2B5EF4-FFF2-40B4-BE49-F238E27FC236}">
+                    <a16:creationId xmlns:a16="http://schemas.microsoft.com/office/drawing/2014/main" id="{1D020762-7986-465F-A990-039C16FCA9F3}"/>
+                  </a:ext>
+                </a:extLst>
+              </p:cNvPr>
+              <p:cNvPicPr/>
+              <p:nvPr/>
+            </p:nvPicPr>
+            <p:blipFill>
+              <a:blip r:embed="rId12"/>
+              <a:stretch>
+                <a:fillRect/>
+              </a:stretch>
+            </p:blipFill>
+            <p:spPr>
+              <a:xfrm>
+                <a:off x="1160389" y="4243479"/>
+                <a:ext cx="150480" cy="113040"/>
+              </a:xfrm>
+              <a:prstGeom prst="rect">
+                <a:avLst/>
+              </a:prstGeom>
+            </p:spPr>
+          </p:pic>
+        </mc:Fallback>
+      </mc:AlternateContent>
+      <mc:AlternateContent xmlns:mc="http://schemas.openxmlformats.org/markup-compatibility/2006" xmlns:p14="http://schemas.microsoft.com/office/powerpoint/2010/main">
+        <mc:Choice Requires="p14">
+          <p:contentPart p14:bwMode="auto" r:id="rId13">
+            <p14:nvContentPartPr>
+              <p14:cNvPr id="24" name="잉크 23">
+                <a:extLst>
+                  <a:ext uri="{FF2B5EF4-FFF2-40B4-BE49-F238E27FC236}">
+                    <a16:creationId xmlns:a16="http://schemas.microsoft.com/office/drawing/2014/main" id="{3D341BB9-BD65-4D99-8DB3-ABC7F5E6796A}"/>
+                  </a:ext>
+                </a:extLst>
+              </p14:cNvPr>
+              <p14:cNvContentPartPr/>
+              <p14:nvPr/>
+            </p14:nvContentPartPr>
+            <p14:xfrm>
+              <a:off x="3816469" y="4225479"/>
+              <a:ext cx="165960" cy="87480"/>
+            </p14:xfrm>
+          </p:contentPart>
+        </mc:Choice>
+        <mc:Fallback xmlns="">
+          <p:pic>
+            <p:nvPicPr>
+              <p:cNvPr id="24" name="잉크 23">
+                <a:extLst>
+                  <a:ext uri="{FF2B5EF4-FFF2-40B4-BE49-F238E27FC236}">
+                    <a16:creationId xmlns:a16="http://schemas.microsoft.com/office/drawing/2014/main" id="{3D341BB9-BD65-4D99-8DB3-ABC7F5E6796A}"/>
+                  </a:ext>
+                </a:extLst>
+              </p:cNvPr>
+              <p:cNvPicPr/>
+              <p:nvPr/>
+            </p:nvPicPr>
+            <p:blipFill>
+              <a:blip r:embed="rId14"/>
+              <a:stretch>
+                <a:fillRect/>
+              </a:stretch>
+            </p:blipFill>
+            <p:spPr>
+              <a:xfrm>
+                <a:off x="3807829" y="4216479"/>
+                <a:ext cx="183600" cy="105120"/>
+              </a:xfrm>
+              <a:prstGeom prst="rect">
+                <a:avLst/>
+              </a:prstGeom>
+            </p:spPr>
+          </p:pic>
+        </mc:Fallback>
+      </mc:AlternateContent>
+      <mc:AlternateContent xmlns:mc="http://schemas.openxmlformats.org/markup-compatibility/2006" xmlns:p14="http://schemas.microsoft.com/office/powerpoint/2010/main">
+        <mc:Choice Requires="p14">
+          <p:contentPart p14:bwMode="auto" r:id="rId15">
+            <p14:nvContentPartPr>
+              <p14:cNvPr id="25" name="잉크 24">
+                <a:extLst>
+                  <a:ext uri="{FF2B5EF4-FFF2-40B4-BE49-F238E27FC236}">
+                    <a16:creationId xmlns:a16="http://schemas.microsoft.com/office/drawing/2014/main" id="{8F549612-99B6-4D38-A095-3FA36AC4ED2C}"/>
+                  </a:ext>
+                </a:extLst>
+              </p14:cNvPr>
+              <p14:cNvContentPartPr/>
+              <p14:nvPr/>
+            </p14:nvContentPartPr>
+            <p14:xfrm>
+              <a:off x="7994989" y="4220799"/>
+              <a:ext cx="132840" cy="124560"/>
+            </p14:xfrm>
+          </p:contentPart>
+        </mc:Choice>
+        <mc:Fallback xmlns="">
+          <p:pic>
+            <p:nvPicPr>
+              <p:cNvPr id="25" name="잉크 24">
+                <a:extLst>
+                  <a:ext uri="{FF2B5EF4-FFF2-40B4-BE49-F238E27FC236}">
+                    <a16:creationId xmlns:a16="http://schemas.microsoft.com/office/drawing/2014/main" id="{8F549612-99B6-4D38-A095-3FA36AC4ED2C}"/>
+                  </a:ext>
+                </a:extLst>
+              </p:cNvPr>
+              <p:cNvPicPr/>
+              <p:nvPr/>
+            </p:nvPicPr>
+            <p:blipFill>
+              <a:blip r:embed="rId16"/>
+              <a:stretch>
+                <a:fillRect/>
+              </a:stretch>
+            </p:blipFill>
+            <p:spPr>
+              <a:xfrm>
+                <a:off x="7986349" y="4211799"/>
+                <a:ext cx="150480" cy="142200"/>
+              </a:xfrm>
+              <a:prstGeom prst="rect">
+                <a:avLst/>
+              </a:prstGeom>
+            </p:spPr>
+          </p:pic>
+        </mc:Fallback>
+      </mc:AlternateContent>
+      <mc:AlternateContent xmlns:mc="http://schemas.openxmlformats.org/markup-compatibility/2006" xmlns:p14="http://schemas.microsoft.com/office/powerpoint/2010/main">
+        <mc:Choice Requires="p14">
+          <p:contentPart p14:bwMode="auto" r:id="rId17">
+            <p14:nvContentPartPr>
+              <p14:cNvPr id="26" name="잉크 25">
+                <a:extLst>
+                  <a:ext uri="{FF2B5EF4-FFF2-40B4-BE49-F238E27FC236}">
+                    <a16:creationId xmlns:a16="http://schemas.microsoft.com/office/drawing/2014/main" id="{FC6C826D-48E1-4BF0-B371-B377F26A5DE3}"/>
+                  </a:ext>
+                </a:extLst>
+              </p14:cNvPr>
+              <p14:cNvContentPartPr/>
+              <p14:nvPr/>
+            </p14:nvContentPartPr>
+            <p14:xfrm>
+              <a:off x="10813069" y="4202799"/>
+              <a:ext cx="141840" cy="142920"/>
+            </p14:xfrm>
+          </p:contentPart>
+        </mc:Choice>
+        <mc:Fallback xmlns="">
+          <p:pic>
+            <p:nvPicPr>
+              <p:cNvPr id="26" name="잉크 25">
+                <a:extLst>
+                  <a:ext uri="{FF2B5EF4-FFF2-40B4-BE49-F238E27FC236}">
+                    <a16:creationId xmlns:a16="http://schemas.microsoft.com/office/drawing/2014/main" id="{FC6C826D-48E1-4BF0-B371-B377F26A5DE3}"/>
+                  </a:ext>
+                </a:extLst>
+              </p:cNvPr>
+              <p:cNvPicPr/>
+              <p:nvPr/>
+            </p:nvPicPr>
+            <p:blipFill>
+              <a:blip r:embed="rId18"/>
+              <a:stretch>
+                <a:fillRect/>
+              </a:stretch>
+            </p:blipFill>
+            <p:spPr>
+              <a:xfrm>
+                <a:off x="10804069" y="4194159"/>
+                <a:ext cx="159480" cy="160560"/>
+              </a:xfrm>
+              <a:prstGeom prst="rect">
+                <a:avLst/>
+              </a:prstGeom>
+            </p:spPr>
+          </p:pic>
+        </mc:Fallback>
+      </mc:AlternateContent>
     </p:spTree>
     <p:extLst>
       <p:ext uri="{BB962C8B-B14F-4D97-AF65-F5344CB8AC3E}">
-        <p14:creationId xmlns:p14="http://schemas.microsoft.com/office/powerpoint/2010/main" val="73016153"/>
+        <p14:creationId xmlns:p14="http://schemas.microsoft.com/office/powerpoint/2010/main" val="4143415027"/>
       </p:ext>
     </p:extLst>
   </p:cSld>
@@ -3801,7 +4536,7 @@
           <p:cNvPr id="3" name="그림 2">
             <a:extLst>
               <a:ext uri="{FF2B5EF4-FFF2-40B4-BE49-F238E27FC236}">
-                <a16:creationId xmlns:a16="http://schemas.microsoft.com/office/drawing/2014/main" id="{08B588CC-2E96-42E5-8510-51CFDA4B435F}"/>
+                <a16:creationId xmlns:a16="http://schemas.microsoft.com/office/drawing/2014/main" id="{33026B02-7A2D-4A0C-9803-AAA01BA27527}"/>
               </a:ext>
             </a:extLst>
           </p:cNvPr>
@@ -3818,184 +4553,8 @@
         </p:blipFill>
         <p:spPr>
           <a:xfrm>
-            <a:off x="1386570" y="2409824"/>
-            <a:ext cx="4063092" cy="2031546"/>
-          </a:xfrm>
-          <a:prstGeom prst="rect">
-            <a:avLst/>
-          </a:prstGeom>
-        </p:spPr>
-      </p:pic>
-      <p:sp>
-        <p:nvSpPr>
-          <p:cNvPr id="5" name="TextBox 4">
-            <a:extLst>
-              <a:ext uri="{FF2B5EF4-FFF2-40B4-BE49-F238E27FC236}">
-                <a16:creationId xmlns:a16="http://schemas.microsoft.com/office/drawing/2014/main" id="{CCC020B8-7A24-444C-9B81-731481E8272F}"/>
-              </a:ext>
-            </a:extLst>
-          </p:cNvPr>
-          <p:cNvSpPr txBox="1"/>
-          <p:nvPr/>
-        </p:nvSpPr>
-        <p:spPr>
-          <a:xfrm>
-            <a:off x="1461707" y="1681468"/>
-            <a:ext cx="2369559" cy="369332"/>
-          </a:xfrm>
-          <a:prstGeom prst="rect">
-            <a:avLst/>
-          </a:prstGeom>
-          <a:noFill/>
-        </p:spPr>
-        <p:txBody>
-          <a:bodyPr wrap="none" rtlCol="0">
-            <a:spAutoFit/>
-          </a:bodyPr>
-          <a:lstStyle/>
-          <a:p>
-            <a:r>
-              <a:rPr lang="ko-KR" altLang="en-US" dirty="0"/>
-              <a:t>마우스 좌측 </a:t>
-            </a:r>
-            <a:r>
-              <a:rPr lang="en-US" altLang="ko-KR" dirty="0"/>
-              <a:t>=&gt; </a:t>
-            </a:r>
-            <a:r>
-              <a:rPr lang="ko-KR" altLang="en-US" dirty="0"/>
-              <a:t>확대</a:t>
-            </a:r>
-          </a:p>
-        </p:txBody>
-      </p:sp>
-      <p:pic>
-        <p:nvPicPr>
-          <p:cNvPr id="4" name="그림 3">
-            <a:extLst>
-              <a:ext uri="{FF2B5EF4-FFF2-40B4-BE49-F238E27FC236}">
-                <a16:creationId xmlns:a16="http://schemas.microsoft.com/office/drawing/2014/main" id="{EF2B8E4D-F1CF-4649-8442-9A98DFB2FC06}"/>
-              </a:ext>
-            </a:extLst>
-          </p:cNvPr>
-          <p:cNvPicPr>
-            <a:picLocks noChangeAspect="1"/>
-          </p:cNvPicPr>
-          <p:nvPr/>
-        </p:nvPicPr>
-        <p:blipFill>
-          <a:blip r:embed="rId3"/>
-          <a:stretch>
-            <a:fillRect/>
-          </a:stretch>
-        </p:blipFill>
-        <p:spPr>
-          <a:xfrm>
-            <a:off x="6383110" y="2409824"/>
-            <a:ext cx="4112080" cy="2056040"/>
-          </a:xfrm>
-          <a:prstGeom prst="rect">
-            <a:avLst/>
-          </a:prstGeom>
-        </p:spPr>
-      </p:pic>
-      <p:sp>
-        <p:nvSpPr>
-          <p:cNvPr id="6" name="TextBox 5">
-            <a:extLst>
-              <a:ext uri="{FF2B5EF4-FFF2-40B4-BE49-F238E27FC236}">
-                <a16:creationId xmlns:a16="http://schemas.microsoft.com/office/drawing/2014/main" id="{CA641E0A-E6D2-4A9B-97DE-ADBBA3519DB5}"/>
-              </a:ext>
-            </a:extLst>
-          </p:cNvPr>
-          <p:cNvSpPr txBox="1"/>
-          <p:nvPr/>
-        </p:nvSpPr>
-        <p:spPr>
-          <a:xfrm>
-            <a:off x="6570890" y="1681468"/>
-            <a:ext cx="3365046" cy="369332"/>
-          </a:xfrm>
-          <a:prstGeom prst="rect">
-            <a:avLst/>
-          </a:prstGeom>
-          <a:noFill/>
-        </p:spPr>
-        <p:txBody>
-          <a:bodyPr wrap="square" rtlCol="0">
-            <a:spAutoFit/>
-          </a:bodyPr>
-          <a:lstStyle/>
-          <a:p>
-            <a:r>
-              <a:rPr lang="ko-KR" altLang="en-US" dirty="0"/>
-              <a:t>마우스 우측 </a:t>
-            </a:r>
-            <a:r>
-              <a:rPr lang="en-US" altLang="ko-KR" dirty="0"/>
-              <a:t>=&gt; </a:t>
-            </a:r>
-            <a:r>
-              <a:rPr lang="ko-KR" altLang="en-US" dirty="0"/>
-              <a:t>축소</a:t>
-            </a:r>
-          </a:p>
-        </p:txBody>
-      </p:sp>
-    </p:spTree>
-    <p:extLst>
-      <p:ext uri="{BB962C8B-B14F-4D97-AF65-F5344CB8AC3E}">
-        <p14:creationId xmlns:p14="http://schemas.microsoft.com/office/powerpoint/2010/main" val="141875850"/>
-      </p:ext>
-    </p:extLst>
-  </p:cSld>
-  <p:clrMapOvr>
-    <a:masterClrMapping/>
-  </p:clrMapOvr>
-</p:sld>
-</file>
-
-<file path=ppt/slides/slide4.xml><?xml version="1.0" encoding="utf-8"?>
-<p:sld xmlns:a="http://schemas.openxmlformats.org/drawingml/2006/main" xmlns:r="http://schemas.openxmlformats.org/officeDocument/2006/relationships" xmlns:p="http://schemas.openxmlformats.org/presentationml/2006/main">
-  <p:cSld>
-    <p:spTree>
-      <p:nvGrpSpPr>
-        <p:cNvPr id="1" name=""/>
-        <p:cNvGrpSpPr/>
-        <p:nvPr/>
-      </p:nvGrpSpPr>
-      <p:grpSpPr>
-        <a:xfrm>
-          <a:off x="0" y="0"/>
-          <a:ext cx="0" cy="0"/>
-          <a:chOff x="0" y="0"/>
-          <a:chExt cx="0" cy="0"/>
-        </a:xfrm>
-      </p:grpSpPr>
-      <p:pic>
-        <p:nvPicPr>
-          <p:cNvPr id="3" name="그림 2">
-            <a:extLst>
-              <a:ext uri="{FF2B5EF4-FFF2-40B4-BE49-F238E27FC236}">
-                <a16:creationId xmlns:a16="http://schemas.microsoft.com/office/drawing/2014/main" id="{A27D72D2-DE86-43B8-99E9-1E63E83F503E}"/>
-              </a:ext>
-            </a:extLst>
-          </p:cNvPr>
-          <p:cNvPicPr>
-            <a:picLocks noChangeAspect="1"/>
-          </p:cNvPicPr>
-          <p:nvPr/>
-        </p:nvPicPr>
-        <p:blipFill>
-          <a:blip r:embed="rId2"/>
-          <a:stretch>
-            <a:fillRect/>
-          </a:stretch>
-        </p:blipFill>
-        <p:spPr>
-          <a:xfrm>
-            <a:off x="3405187" y="90487"/>
-            <a:ext cx="5381625" cy="6677025"/>
+            <a:off x="3905250" y="161925"/>
+            <a:ext cx="4381500" cy="6534150"/>
           </a:xfrm>
           <a:prstGeom prst="rect">
             <a:avLst/>
@@ -4009,7 +4568,7 @@
               <p14:cNvPr id="4" name="잉크 3">
                 <a:extLst>
                   <a:ext uri="{FF2B5EF4-FFF2-40B4-BE49-F238E27FC236}">
-                    <a16:creationId xmlns:a16="http://schemas.microsoft.com/office/drawing/2014/main" id="{9624EC44-65E5-4A08-B162-6346C4E3D20D}"/>
+                    <a16:creationId xmlns:a16="http://schemas.microsoft.com/office/drawing/2014/main" id="{8DDD809B-0A7A-4FCD-837A-B53B8D50819F}"/>
                   </a:ext>
                 </a:extLst>
               </p14:cNvPr>
@@ -4017,8 +4576,8 @@
               <p14:nvPr/>
             </p14:nvContentPartPr>
             <p14:xfrm>
-              <a:off x="3279375" y="267450"/>
-              <a:ext cx="1627920" cy="47520"/>
+              <a:off x="3873015" y="330810"/>
+              <a:ext cx="1814760" cy="47520"/>
             </p14:xfrm>
           </p:contentPart>
         </mc:Choice>
@@ -4028,7 +4587,7 @@
               <p:cNvPr id="4" name="잉크 3">
                 <a:extLst>
                   <a:ext uri="{FF2B5EF4-FFF2-40B4-BE49-F238E27FC236}">
-                    <a16:creationId xmlns:a16="http://schemas.microsoft.com/office/drawing/2014/main" id="{9624EC44-65E5-4A08-B162-6346C4E3D20D}"/>
+                    <a16:creationId xmlns:a16="http://schemas.microsoft.com/office/drawing/2014/main" id="{8DDD809B-0A7A-4FCD-837A-B53B8D50819F}"/>
                   </a:ext>
                 </a:extLst>
               </p:cNvPr>
@@ -4043,8 +4602,8 @@
             </p:blipFill>
             <p:spPr>
               <a:xfrm>
-                <a:off x="3270735" y="258810"/>
-                <a:ext cx="1645560" cy="65160"/>
+                <a:off x="3864375" y="322170"/>
+                <a:ext cx="1832400" cy="65160"/>
               </a:xfrm>
               <a:prstGeom prst="rect">
                 <a:avLst/>
@@ -4060,7 +4619,7 @@
               <p14:cNvPr id="6" name="잉크 5">
                 <a:extLst>
                   <a:ext uri="{FF2B5EF4-FFF2-40B4-BE49-F238E27FC236}">
-                    <a16:creationId xmlns:a16="http://schemas.microsoft.com/office/drawing/2014/main" id="{91969692-EB22-41CF-9FF1-4256C339FCDB}"/>
+                    <a16:creationId xmlns:a16="http://schemas.microsoft.com/office/drawing/2014/main" id="{351D10B5-1C5C-4ACA-80D8-14BE21F5D3DD}"/>
                   </a:ext>
                 </a:extLst>
               </p14:cNvPr>
@@ -4068,8 +4627,8 @@
               <p14:nvPr/>
             </p14:nvContentPartPr>
             <p14:xfrm>
-              <a:off x="4058055" y="1933890"/>
-              <a:ext cx="97200" cy="214920"/>
+              <a:off x="4679055" y="2198130"/>
+              <a:ext cx="2759760" cy="57600"/>
             </p14:xfrm>
           </p:contentPart>
         </mc:Choice>
@@ -4079,7 +4638,7 @@
               <p:cNvPr id="6" name="잉크 5">
                 <a:extLst>
                   <a:ext uri="{FF2B5EF4-FFF2-40B4-BE49-F238E27FC236}">
-                    <a16:creationId xmlns:a16="http://schemas.microsoft.com/office/drawing/2014/main" id="{91969692-EB22-41CF-9FF1-4256C339FCDB}"/>
+                    <a16:creationId xmlns:a16="http://schemas.microsoft.com/office/drawing/2014/main" id="{351D10B5-1C5C-4ACA-80D8-14BE21F5D3DD}"/>
                   </a:ext>
                 </a:extLst>
               </p:cNvPr>
@@ -4094,8 +4653,8 @@
             </p:blipFill>
             <p:spPr>
               <a:xfrm>
-                <a:off x="4049055" y="1925250"/>
-                <a:ext cx="114840" cy="232560"/>
+                <a:off x="4670055" y="2189130"/>
+                <a:ext cx="2777400" cy="75240"/>
               </a:xfrm>
               <a:prstGeom prst="rect">
                 <a:avLst/>
@@ -4111,7 +4670,7 @@
               <p14:cNvPr id="7" name="잉크 6">
                 <a:extLst>
                   <a:ext uri="{FF2B5EF4-FFF2-40B4-BE49-F238E27FC236}">
-                    <a16:creationId xmlns:a16="http://schemas.microsoft.com/office/drawing/2014/main" id="{28573B9B-A064-4457-8BEB-79B7771C23B5}"/>
+                    <a16:creationId xmlns:a16="http://schemas.microsoft.com/office/drawing/2014/main" id="{9CFC6B75-F356-4C8C-973D-9C293D39A046}"/>
                   </a:ext>
                 </a:extLst>
               </p14:cNvPr>
@@ -4119,8 +4678,8 @@
               <p14:nvPr/>
             </p14:nvContentPartPr>
             <p14:xfrm>
-              <a:off x="4170735" y="2588370"/>
-              <a:ext cx="2321640" cy="56160"/>
+              <a:off x="4622175" y="2428530"/>
+              <a:ext cx="158760" cy="442440"/>
             </p14:xfrm>
           </p:contentPart>
         </mc:Choice>
@@ -4130,7 +4689,7 @@
               <p:cNvPr id="7" name="잉크 6">
                 <a:extLst>
                   <a:ext uri="{FF2B5EF4-FFF2-40B4-BE49-F238E27FC236}">
-                    <a16:creationId xmlns:a16="http://schemas.microsoft.com/office/drawing/2014/main" id="{28573B9B-A064-4457-8BEB-79B7771C23B5}"/>
+                    <a16:creationId xmlns:a16="http://schemas.microsoft.com/office/drawing/2014/main" id="{9CFC6B75-F356-4C8C-973D-9C293D39A046}"/>
                   </a:ext>
                 </a:extLst>
               </p:cNvPr>
@@ -4145,8 +4704,8 @@
             </p:blipFill>
             <p:spPr>
               <a:xfrm>
-                <a:off x="4162095" y="2579370"/>
-                <a:ext cx="2339280" cy="73800"/>
+                <a:off x="4613535" y="2419530"/>
+                <a:ext cx="176400" cy="460080"/>
               </a:xfrm>
               <a:prstGeom prst="rect">
                 <a:avLst/>
@@ -4162,7 +4721,7 @@
               <p14:cNvPr id="8" name="잉크 7">
                 <a:extLst>
                   <a:ext uri="{FF2B5EF4-FFF2-40B4-BE49-F238E27FC236}">
-                    <a16:creationId xmlns:a16="http://schemas.microsoft.com/office/drawing/2014/main" id="{B656935B-9701-48F0-83A7-4B7D7C963A41}"/>
+                    <a16:creationId xmlns:a16="http://schemas.microsoft.com/office/drawing/2014/main" id="{739F2DB4-7F41-4D43-81E4-21DCD5AFD066}"/>
                   </a:ext>
                 </a:extLst>
               </p14:cNvPr>
@@ -4170,8 +4729,8 @@
               <p14:nvPr/>
             </p14:nvContentPartPr>
             <p14:xfrm>
-              <a:off x="5260455" y="2860890"/>
-              <a:ext cx="1370880" cy="31680"/>
+              <a:off x="4618575" y="2096610"/>
+              <a:ext cx="115920" cy="264600"/>
             </p14:xfrm>
           </p:contentPart>
         </mc:Choice>
@@ -4181,7 +4740,7 @@
               <p:cNvPr id="8" name="잉크 7">
                 <a:extLst>
                   <a:ext uri="{FF2B5EF4-FFF2-40B4-BE49-F238E27FC236}">
-                    <a16:creationId xmlns:a16="http://schemas.microsoft.com/office/drawing/2014/main" id="{B656935B-9701-48F0-83A7-4B7D7C963A41}"/>
+                    <a16:creationId xmlns:a16="http://schemas.microsoft.com/office/drawing/2014/main" id="{739F2DB4-7F41-4D43-81E4-21DCD5AFD066}"/>
                   </a:ext>
                 </a:extLst>
               </p:cNvPr>
@@ -4196,8 +4755,8 @@
             </p:blipFill>
             <p:spPr>
               <a:xfrm>
-                <a:off x="5251815" y="2851890"/>
-                <a:ext cx="1388520" cy="49320"/>
+                <a:off x="4609935" y="2087970"/>
+                <a:ext cx="133560" cy="282240"/>
               </a:xfrm>
               <a:prstGeom prst="rect">
                 <a:avLst/>
@@ -4213,7 +4772,7 @@
               <p14:cNvPr id="9" name="잉크 8">
                 <a:extLst>
                   <a:ext uri="{FF2B5EF4-FFF2-40B4-BE49-F238E27FC236}">
-                    <a16:creationId xmlns:a16="http://schemas.microsoft.com/office/drawing/2014/main" id="{516E8148-3F22-4B18-BB5D-CC0AE44FA3D3}"/>
+                    <a16:creationId xmlns:a16="http://schemas.microsoft.com/office/drawing/2014/main" id="{F9C6C6BB-0B47-44AB-8287-CE75F9DC928C}"/>
                   </a:ext>
                 </a:extLst>
               </p14:cNvPr>
@@ -4221,8 +4780,8 @@
               <p14:nvPr/>
             </p14:nvContentPartPr>
             <p14:xfrm>
-              <a:off x="4919175" y="3011370"/>
-              <a:ext cx="1470240" cy="69480"/>
+              <a:off x="4724415" y="3076890"/>
+              <a:ext cx="2344320" cy="26640"/>
             </p14:xfrm>
           </p:contentPart>
         </mc:Choice>
@@ -4232,7 +4791,7 @@
               <p:cNvPr id="9" name="잉크 8">
                 <a:extLst>
                   <a:ext uri="{FF2B5EF4-FFF2-40B4-BE49-F238E27FC236}">
-                    <a16:creationId xmlns:a16="http://schemas.microsoft.com/office/drawing/2014/main" id="{516E8148-3F22-4B18-BB5D-CC0AE44FA3D3}"/>
+                    <a16:creationId xmlns:a16="http://schemas.microsoft.com/office/drawing/2014/main" id="{F9C6C6BB-0B47-44AB-8287-CE75F9DC928C}"/>
                   </a:ext>
                 </a:extLst>
               </p:cNvPr>
@@ -4247,8 +4806,8 @@
             </p:blipFill>
             <p:spPr>
               <a:xfrm>
-                <a:off x="4910175" y="3002370"/>
-                <a:ext cx="1487880" cy="87120"/>
+                <a:off x="4715415" y="3068250"/>
+                <a:ext cx="2361960" cy="44280"/>
               </a:xfrm>
               <a:prstGeom prst="rect">
                 <a:avLst/>
@@ -4264,7 +4823,7 @@
               <p14:cNvPr id="10" name="잉크 9">
                 <a:extLst>
                   <a:ext uri="{FF2B5EF4-FFF2-40B4-BE49-F238E27FC236}">
-                    <a16:creationId xmlns:a16="http://schemas.microsoft.com/office/drawing/2014/main" id="{504E1C40-44F8-43AD-AF62-381932C34F32}"/>
+                    <a16:creationId xmlns:a16="http://schemas.microsoft.com/office/drawing/2014/main" id="{E9FF217C-A1E3-4814-86A5-B89B6D2BABF6}"/>
                   </a:ext>
                 </a:extLst>
               </p14:cNvPr>
@@ -4272,8 +4831,8 @@
               <p14:nvPr/>
             </p14:nvContentPartPr>
             <p14:xfrm>
-              <a:off x="5233095" y="3853050"/>
-              <a:ext cx="1566360" cy="52200"/>
+              <a:off x="4709295" y="4360290"/>
+              <a:ext cx="2381760" cy="42840"/>
             </p14:xfrm>
           </p:contentPart>
         </mc:Choice>
@@ -4283,7 +4842,7 @@
               <p:cNvPr id="10" name="잉크 9">
                 <a:extLst>
                   <a:ext uri="{FF2B5EF4-FFF2-40B4-BE49-F238E27FC236}">
-                    <a16:creationId xmlns:a16="http://schemas.microsoft.com/office/drawing/2014/main" id="{504E1C40-44F8-43AD-AF62-381932C34F32}"/>
+                    <a16:creationId xmlns:a16="http://schemas.microsoft.com/office/drawing/2014/main" id="{E9FF217C-A1E3-4814-86A5-B89B6D2BABF6}"/>
                   </a:ext>
                 </a:extLst>
               </p:cNvPr>
@@ -4298,8 +4857,8 @@
             </p:blipFill>
             <p:spPr>
               <a:xfrm>
-                <a:off x="5224095" y="3844410"/>
-                <a:ext cx="1584000" cy="69840"/>
+                <a:off x="4700655" y="4351650"/>
+                <a:ext cx="2399400" cy="60480"/>
               </a:xfrm>
               <a:prstGeom prst="rect">
                 <a:avLst/>
@@ -4315,7 +4874,7 @@
               <p14:cNvPr id="11" name="잉크 10">
                 <a:extLst>
                   <a:ext uri="{FF2B5EF4-FFF2-40B4-BE49-F238E27FC236}">
-                    <a16:creationId xmlns:a16="http://schemas.microsoft.com/office/drawing/2014/main" id="{E88A47CB-9541-4A9A-9E6B-6DD2CCB732ED}"/>
+                    <a16:creationId xmlns:a16="http://schemas.microsoft.com/office/drawing/2014/main" id="{54D525A2-3363-44B6-8F1B-F142E44FA68B}"/>
                   </a:ext>
                 </a:extLst>
               </p14:cNvPr>
@@ -4323,8 +4882,8 @@
               <p14:nvPr/>
             </p14:nvContentPartPr>
             <p14:xfrm>
-              <a:off x="4272615" y="2450490"/>
-              <a:ext cx="3351960" cy="42120"/>
+              <a:off x="5787495" y="3355890"/>
+              <a:ext cx="1180800" cy="47520"/>
             </p14:xfrm>
           </p:contentPart>
         </mc:Choice>
@@ -4334,7 +4893,7 @@
               <p:cNvPr id="11" name="잉크 10">
                 <a:extLst>
                   <a:ext uri="{FF2B5EF4-FFF2-40B4-BE49-F238E27FC236}">
-                    <a16:creationId xmlns:a16="http://schemas.microsoft.com/office/drawing/2014/main" id="{E88A47CB-9541-4A9A-9E6B-6DD2CCB732ED}"/>
+                    <a16:creationId xmlns:a16="http://schemas.microsoft.com/office/drawing/2014/main" id="{54D525A2-3363-44B6-8F1B-F142E44FA68B}"/>
                   </a:ext>
                 </a:extLst>
               </p:cNvPr>
@@ -4349,8 +4908,8 @@
             </p:blipFill>
             <p:spPr>
               <a:xfrm>
-                <a:off x="4263975" y="2441850"/>
-                <a:ext cx="3369600" cy="59760"/>
+                <a:off x="5778495" y="3346890"/>
+                <a:ext cx="1198440" cy="65160"/>
               </a:xfrm>
               <a:prstGeom prst="rect">
                 <a:avLst/>
@@ -4366,7 +4925,7 @@
               <p14:cNvPr id="12" name="잉크 11">
                 <a:extLst>
                   <a:ext uri="{FF2B5EF4-FFF2-40B4-BE49-F238E27FC236}">
-                    <a16:creationId xmlns:a16="http://schemas.microsoft.com/office/drawing/2014/main" id="{C0E25D25-A7B8-48F3-ADED-C0753CD9DD0E}"/>
+                    <a16:creationId xmlns:a16="http://schemas.microsoft.com/office/drawing/2014/main" id="{8F241DE2-8C37-430D-B5B9-FAB9799EF7E8}"/>
                   </a:ext>
                 </a:extLst>
               </p14:cNvPr>
@@ -4374,8 +4933,8 @@
               <p14:nvPr/>
             </p14:nvContentPartPr>
             <p14:xfrm>
-              <a:off x="5924295" y="3614730"/>
-              <a:ext cx="2581920" cy="46080"/>
+              <a:off x="5790015" y="4658010"/>
+              <a:ext cx="1145880" cy="25200"/>
             </p14:xfrm>
           </p:contentPart>
         </mc:Choice>
@@ -4385,7 +4944,7 @@
               <p:cNvPr id="12" name="잉크 11">
                 <a:extLst>
                   <a:ext uri="{FF2B5EF4-FFF2-40B4-BE49-F238E27FC236}">
-                    <a16:creationId xmlns:a16="http://schemas.microsoft.com/office/drawing/2014/main" id="{C0E25D25-A7B8-48F3-ADED-C0753CD9DD0E}"/>
+                    <a16:creationId xmlns:a16="http://schemas.microsoft.com/office/drawing/2014/main" id="{8F241DE2-8C37-430D-B5B9-FAB9799EF7E8}"/>
                   </a:ext>
                 </a:extLst>
               </p:cNvPr>
@@ -4400,8 +4959,8 @@
             </p:blipFill>
             <p:spPr>
               <a:xfrm>
-                <a:off x="5915655" y="3606090"/>
-                <a:ext cx="2599560" cy="63720"/>
+                <a:off x="5781375" y="4649010"/>
+                <a:ext cx="1163520" cy="42840"/>
               </a:xfrm>
               <a:prstGeom prst="rect">
                 <a:avLst/>
@@ -4417,7 +4976,7 @@
               <p14:cNvPr id="13" name="잉크 12">
                 <a:extLst>
                   <a:ext uri="{FF2B5EF4-FFF2-40B4-BE49-F238E27FC236}">
-                    <a16:creationId xmlns:a16="http://schemas.microsoft.com/office/drawing/2014/main" id="{97A3CF2C-08E8-4337-A539-97914F903B19}"/>
+                    <a16:creationId xmlns:a16="http://schemas.microsoft.com/office/drawing/2014/main" id="{D708E68C-7610-4289-B10A-01BA55F1F9E3}"/>
                   </a:ext>
                 </a:extLst>
               </p14:cNvPr>
@@ -4425,8 +4984,8 @@
               <p14:nvPr/>
             </p14:nvContentPartPr>
             <p14:xfrm>
-              <a:off x="5851575" y="4739370"/>
-              <a:ext cx="2660760" cy="52560"/>
+              <a:off x="7486335" y="3528690"/>
+              <a:ext cx="555120" cy="31680"/>
             </p14:xfrm>
           </p:contentPart>
         </mc:Choice>
@@ -4436,7 +4995,7 @@
               <p:cNvPr id="13" name="잉크 12">
                 <a:extLst>
                   <a:ext uri="{FF2B5EF4-FFF2-40B4-BE49-F238E27FC236}">
-                    <a16:creationId xmlns:a16="http://schemas.microsoft.com/office/drawing/2014/main" id="{97A3CF2C-08E8-4337-A539-97914F903B19}"/>
+                    <a16:creationId xmlns:a16="http://schemas.microsoft.com/office/drawing/2014/main" id="{D708E68C-7610-4289-B10A-01BA55F1F9E3}"/>
                   </a:ext>
                 </a:extLst>
               </p:cNvPr>
@@ -4451,8 +5010,8 @@
             </p:blipFill>
             <p:spPr>
               <a:xfrm>
-                <a:off x="5842935" y="4730370"/>
-                <a:ext cx="2678400" cy="70200"/>
+                <a:off x="7477695" y="3519690"/>
+                <a:ext cx="572760" cy="49320"/>
               </a:xfrm>
               <a:prstGeom prst="rect">
                 <a:avLst/>
@@ -4465,10 +5024,10 @@
         <mc:Choice Requires="p14">
           <p:contentPart p14:bwMode="auto" r:id="rId21">
             <p14:nvContentPartPr>
-              <p14:cNvPr id="2" name="잉크 1">
+              <p14:cNvPr id="14" name="잉크 13">
                 <a:extLst>
                   <a:ext uri="{FF2B5EF4-FFF2-40B4-BE49-F238E27FC236}">
-                    <a16:creationId xmlns:a16="http://schemas.microsoft.com/office/drawing/2014/main" id="{A5A926E9-802F-4644-BD93-52694BAF4631}"/>
+                    <a16:creationId xmlns:a16="http://schemas.microsoft.com/office/drawing/2014/main" id="{E9C98F35-1D53-4531-8729-0216034B9027}"/>
                   </a:ext>
                 </a:extLst>
               </p14:cNvPr>
@@ -4476,18 +5035,18 @@
               <p14:nvPr/>
             </p14:nvContentPartPr>
             <p14:xfrm>
-              <a:off x="4362589" y="371679"/>
-              <a:ext cx="92520" cy="93240"/>
+              <a:off x="7625295" y="4854210"/>
+              <a:ext cx="398880" cy="24840"/>
             </p14:xfrm>
           </p:contentPart>
         </mc:Choice>
         <mc:Fallback xmlns="">
           <p:pic>
             <p:nvPicPr>
-              <p:cNvPr id="2" name="잉크 1">
+              <p:cNvPr id="14" name="잉크 13">
                 <a:extLst>
                   <a:ext uri="{FF2B5EF4-FFF2-40B4-BE49-F238E27FC236}">
-                    <a16:creationId xmlns:a16="http://schemas.microsoft.com/office/drawing/2014/main" id="{A5A926E9-802F-4644-BD93-52694BAF4631}"/>
+                    <a16:creationId xmlns:a16="http://schemas.microsoft.com/office/drawing/2014/main" id="{E9C98F35-1D53-4531-8729-0216034B9027}"/>
                   </a:ext>
                 </a:extLst>
               </p:cNvPr>
@@ -4502,8 +5061,263 @@
             </p:blipFill>
             <p:spPr>
               <a:xfrm>
-                <a:off x="4353589" y="363039"/>
-                <a:ext cx="110160" cy="110880"/>
+                <a:off x="7616655" y="4845210"/>
+                <a:ext cx="416520" cy="42480"/>
+              </a:xfrm>
+              <a:prstGeom prst="rect">
+                <a:avLst/>
+              </a:prstGeom>
+            </p:spPr>
+          </p:pic>
+        </mc:Fallback>
+      </mc:AlternateContent>
+      <mc:AlternateContent xmlns:mc="http://schemas.openxmlformats.org/markup-compatibility/2006" xmlns:p14="http://schemas.microsoft.com/office/powerpoint/2010/main">
+        <mc:Choice Requires="p14">
+          <p:contentPart p14:bwMode="auto" r:id="rId23">
+            <p14:nvContentPartPr>
+              <p14:cNvPr id="15" name="잉크 14">
+                <a:extLst>
+                  <a:ext uri="{FF2B5EF4-FFF2-40B4-BE49-F238E27FC236}">
+                    <a16:creationId xmlns:a16="http://schemas.microsoft.com/office/drawing/2014/main" id="{C7DCFFE3-B0D1-4434-8AC0-2DCAFE8A7215}"/>
+                  </a:ext>
+                </a:extLst>
+              </p14:cNvPr>
+              <p14:cNvContentPartPr/>
+              <p14:nvPr/>
+            </p14:nvContentPartPr>
+            <p14:xfrm>
+              <a:off x="5837895" y="4943490"/>
+              <a:ext cx="650880" cy="21960"/>
+            </p14:xfrm>
+          </p:contentPart>
+        </mc:Choice>
+        <mc:Fallback xmlns="">
+          <p:pic>
+            <p:nvPicPr>
+              <p:cNvPr id="15" name="잉크 14">
+                <a:extLst>
+                  <a:ext uri="{FF2B5EF4-FFF2-40B4-BE49-F238E27FC236}">
+                    <a16:creationId xmlns:a16="http://schemas.microsoft.com/office/drawing/2014/main" id="{C7DCFFE3-B0D1-4434-8AC0-2DCAFE8A7215}"/>
+                  </a:ext>
+                </a:extLst>
+              </p:cNvPr>
+              <p:cNvPicPr/>
+              <p:nvPr/>
+            </p:nvPicPr>
+            <p:blipFill>
+              <a:blip r:embed="rId24"/>
+              <a:stretch>
+                <a:fillRect/>
+              </a:stretch>
+            </p:blipFill>
+            <p:spPr>
+              <a:xfrm>
+                <a:off x="5829255" y="4934850"/>
+                <a:ext cx="668520" cy="39600"/>
+              </a:xfrm>
+              <a:prstGeom prst="rect">
+                <a:avLst/>
+              </a:prstGeom>
+            </p:spPr>
+          </p:pic>
+        </mc:Fallback>
+      </mc:AlternateContent>
+      <mc:AlternateContent xmlns:mc="http://schemas.openxmlformats.org/markup-compatibility/2006" xmlns:p14="http://schemas.microsoft.com/office/powerpoint/2010/main">
+        <mc:Choice Requires="p14">
+          <p:contentPart p14:bwMode="auto" r:id="rId25">
+            <p14:nvContentPartPr>
+              <p14:cNvPr id="16" name="잉크 15">
+                <a:extLst>
+                  <a:ext uri="{FF2B5EF4-FFF2-40B4-BE49-F238E27FC236}">
+                    <a16:creationId xmlns:a16="http://schemas.microsoft.com/office/drawing/2014/main" id="{F8D4E45C-E75E-45CF-80E2-656D8933ABB5}"/>
+                  </a:ext>
+                </a:extLst>
+              </p14:cNvPr>
+              <p14:cNvContentPartPr/>
+              <p14:nvPr/>
+            </p14:nvContentPartPr>
+            <p14:xfrm>
+              <a:off x="5840055" y="3646410"/>
+              <a:ext cx="616680" cy="51120"/>
+            </p14:xfrm>
+          </p:contentPart>
+        </mc:Choice>
+        <mc:Fallback xmlns="">
+          <p:pic>
+            <p:nvPicPr>
+              <p:cNvPr id="16" name="잉크 15">
+                <a:extLst>
+                  <a:ext uri="{FF2B5EF4-FFF2-40B4-BE49-F238E27FC236}">
+                    <a16:creationId xmlns:a16="http://schemas.microsoft.com/office/drawing/2014/main" id="{F8D4E45C-E75E-45CF-80E2-656D8933ABB5}"/>
+                  </a:ext>
+                </a:extLst>
+              </p:cNvPr>
+              <p:cNvPicPr/>
+              <p:nvPr/>
+            </p:nvPicPr>
+            <p:blipFill>
+              <a:blip r:embed="rId26"/>
+              <a:stretch>
+                <a:fillRect/>
+              </a:stretch>
+            </p:blipFill>
+            <p:spPr>
+              <a:xfrm>
+                <a:off x="5831415" y="3637410"/>
+                <a:ext cx="634320" cy="68760"/>
+              </a:xfrm>
+              <a:prstGeom prst="rect">
+                <a:avLst/>
+              </a:prstGeom>
+            </p:spPr>
+          </p:pic>
+        </mc:Fallback>
+      </mc:AlternateContent>
+      <mc:AlternateContent xmlns:mc="http://schemas.openxmlformats.org/markup-compatibility/2006" xmlns:p14="http://schemas.microsoft.com/office/powerpoint/2010/main">
+        <mc:Choice Requires="p14">
+          <p:contentPart p14:bwMode="auto" r:id="rId27">
+            <p14:nvContentPartPr>
+              <p14:cNvPr id="17" name="잉크 16">
+                <a:extLst>
+                  <a:ext uri="{FF2B5EF4-FFF2-40B4-BE49-F238E27FC236}">
+                    <a16:creationId xmlns:a16="http://schemas.microsoft.com/office/drawing/2014/main" id="{CA0C27CA-211D-49FF-A8C8-A08204624288}"/>
+                  </a:ext>
+                </a:extLst>
+              </p14:cNvPr>
+              <p14:cNvContentPartPr/>
+              <p14:nvPr/>
+            </p14:nvContentPartPr>
+            <p14:xfrm>
+              <a:off x="6577695" y="3639930"/>
+              <a:ext cx="267120" cy="52560"/>
+            </p14:xfrm>
+          </p:contentPart>
+        </mc:Choice>
+        <mc:Fallback xmlns="">
+          <p:pic>
+            <p:nvPicPr>
+              <p:cNvPr id="17" name="잉크 16">
+                <a:extLst>
+                  <a:ext uri="{FF2B5EF4-FFF2-40B4-BE49-F238E27FC236}">
+                    <a16:creationId xmlns:a16="http://schemas.microsoft.com/office/drawing/2014/main" id="{CA0C27CA-211D-49FF-A8C8-A08204624288}"/>
+                  </a:ext>
+                </a:extLst>
+              </p:cNvPr>
+              <p:cNvPicPr/>
+              <p:nvPr/>
+            </p:nvPicPr>
+            <p:blipFill>
+              <a:blip r:embed="rId28"/>
+              <a:stretch>
+                <a:fillRect/>
+              </a:stretch>
+            </p:blipFill>
+            <p:spPr>
+              <a:xfrm>
+                <a:off x="6569055" y="3630930"/>
+                <a:ext cx="284760" cy="70200"/>
+              </a:xfrm>
+              <a:prstGeom prst="rect">
+                <a:avLst/>
+              </a:prstGeom>
+            </p:spPr>
+          </p:pic>
+        </mc:Fallback>
+      </mc:AlternateContent>
+      <mc:AlternateContent xmlns:mc="http://schemas.openxmlformats.org/markup-compatibility/2006" xmlns:p14="http://schemas.microsoft.com/office/powerpoint/2010/main">
+        <mc:Choice Requires="p14">
+          <p:contentPart p14:bwMode="auto" r:id="rId29">
+            <p14:nvContentPartPr>
+              <p14:cNvPr id="18" name="잉크 17">
+                <a:extLst>
+                  <a:ext uri="{FF2B5EF4-FFF2-40B4-BE49-F238E27FC236}">
+                    <a16:creationId xmlns:a16="http://schemas.microsoft.com/office/drawing/2014/main" id="{AB6CED3D-4173-46C3-9069-3A862C52D904}"/>
+                  </a:ext>
+                </a:extLst>
+              </p14:cNvPr>
+              <p14:cNvContentPartPr/>
+              <p14:nvPr/>
+            </p14:nvContentPartPr>
+            <p14:xfrm>
+              <a:off x="6595695" y="4954650"/>
+              <a:ext cx="260640" cy="24480"/>
+            </p14:xfrm>
+          </p:contentPart>
+        </mc:Choice>
+        <mc:Fallback xmlns="">
+          <p:pic>
+            <p:nvPicPr>
+              <p:cNvPr id="18" name="잉크 17">
+                <a:extLst>
+                  <a:ext uri="{FF2B5EF4-FFF2-40B4-BE49-F238E27FC236}">
+                    <a16:creationId xmlns:a16="http://schemas.microsoft.com/office/drawing/2014/main" id="{AB6CED3D-4173-46C3-9069-3A862C52D904}"/>
+                  </a:ext>
+                </a:extLst>
+              </p:cNvPr>
+              <p:cNvPicPr/>
+              <p:nvPr/>
+            </p:nvPicPr>
+            <p:blipFill>
+              <a:blip r:embed="rId30"/>
+              <a:stretch>
+                <a:fillRect/>
+              </a:stretch>
+            </p:blipFill>
+            <p:spPr>
+              <a:xfrm>
+                <a:off x="6586695" y="4946010"/>
+                <a:ext cx="278280" cy="42120"/>
+              </a:xfrm>
+              <a:prstGeom prst="rect">
+                <a:avLst/>
+              </a:prstGeom>
+            </p:spPr>
+          </p:pic>
+        </mc:Fallback>
+      </mc:AlternateContent>
+      <mc:AlternateContent xmlns:mc="http://schemas.openxmlformats.org/markup-compatibility/2006" xmlns:p14="http://schemas.microsoft.com/office/powerpoint/2010/main">
+        <mc:Choice Requires="p14">
+          <p:contentPart p14:bwMode="auto" r:id="rId31">
+            <p14:nvContentPartPr>
+              <p14:cNvPr id="2" name="잉크 1">
+                <a:extLst>
+                  <a:ext uri="{FF2B5EF4-FFF2-40B4-BE49-F238E27FC236}">
+                    <a16:creationId xmlns:a16="http://schemas.microsoft.com/office/drawing/2014/main" id="{62F8933B-DCB3-F716-2BEB-516342368DB1}"/>
+                  </a:ext>
+                </a:extLst>
+              </p14:cNvPr>
+              <p14:cNvContentPartPr/>
+              <p14:nvPr/>
+            </p14:nvContentPartPr>
+            <p14:xfrm>
+              <a:off x="4974949" y="391764"/>
+              <a:ext cx="66240" cy="87480"/>
+            </p14:xfrm>
+          </p:contentPart>
+        </mc:Choice>
+        <mc:Fallback xmlns="">
+          <p:pic>
+            <p:nvPicPr>
+              <p:cNvPr id="2" name="잉크 1">
+                <a:extLst>
+                  <a:ext uri="{FF2B5EF4-FFF2-40B4-BE49-F238E27FC236}">
+                    <a16:creationId xmlns:a16="http://schemas.microsoft.com/office/drawing/2014/main" id="{62F8933B-DCB3-F716-2BEB-516342368DB1}"/>
+                  </a:ext>
+                </a:extLst>
+              </p:cNvPr>
+              <p:cNvPicPr/>
+              <p:nvPr/>
+            </p:nvPicPr>
+            <p:blipFill>
+              <a:blip r:embed="rId32"/>
+              <a:stretch>
+                <a:fillRect/>
+              </a:stretch>
+            </p:blipFill>
+            <p:spPr>
+              <a:xfrm>
+                <a:off x="4966309" y="383124"/>
+                <a:ext cx="83880" cy="105120"/>
               </a:xfrm>
               <a:prstGeom prst="rect">
                 <a:avLst/>
